--- a/ClassMaterials/MoreThreads/MoreThreads.pptx
+++ b/ClassMaterials/MoreThreads/MoreThreads.pptx
@@ -138,13 +138,131 @@
 <file path=ppt/revisionInfo.xml><?xml version="1.0" encoding="utf-8"?>
 <p1510:revInfo xmlns:a="http://schemas.openxmlformats.org/drawingml/2006/main" xmlns:r="http://schemas.openxmlformats.org/officeDocument/2006/relationships" xmlns:p1510="http://schemas.microsoft.com/office/powerpoint/2015/10/main">
   <p1510:revLst>
-    <p1510:client id="{86B649C0-B944-4E97-845B-C6ACC5AF60E5}" v="379" dt="2018-12-07T17:57:06.975"/>
+    <p1510:client id="{86B649C0-B944-4E97-845B-C6ACC5AF60E5}" v="384" dt="2018-12-13T15:57:09.527"/>
   </p1510:revLst>
 </p1510:revInfo>
 </file>
 
 <file path=ppt/changesInfos/changesInfo1.xml><?xml version="1.0" encoding="utf-8"?>
 <pc:chgInfo xmlns:a="http://schemas.openxmlformats.org/drawingml/2006/main" xmlns:r="http://schemas.openxmlformats.org/officeDocument/2006/relationships" xmlns:ac="http://schemas.microsoft.com/office/drawing/2013/main/command" xmlns:pc="http://schemas.microsoft.com/office/powerpoint/2013/main/command">
+  <pc:docChgLst>
+    <pc:chgData name="Song, Lixing" userId="d86a4794-d57c-4f6d-acee-3349d9d3edfc" providerId="ADAL" clId="{E6A4A57A-7BA1-4943-B287-0650F3813B88}"/>
+  </pc:docChgLst>
+  <pc:docChgLst>
+    <pc:chgData name="Song, Lixing" userId="d86a4794-d57c-4f6d-acee-3349d9d3edfc" providerId="ADAL" clId="{57BE710F-CAAC-5C4C-B1E2-33D10347FAC9}"/>
+  </pc:docChgLst>
+  <pc:docChgLst>
+    <pc:chgData name="Song, Lixing" userId="d86a4794-d57c-4f6d-acee-3349d9d3edfc" providerId="ADAL" clId="{6256184C-17FA-4944-87C5-3041B62521D9}"/>
+  </pc:docChgLst>
+  <pc:docChgLst>
+    <pc:chgData name="Song, Lixing" userId="d86a4794-d57c-4f6d-acee-3349d9d3edfc" providerId="ADAL" clId="{DE4E7ECB-2978-1244-B374-6C6C0AE9F7D6}"/>
+  </pc:docChgLst>
+  <pc:docChgLst>
+    <pc:chgData name="Song, Lixing" userId="d86a4794-d57c-4f6d-acee-3349d9d3edfc" providerId="ADAL" clId="{3DB7AE05-0F07-FE4F-998C-F915C7572059}"/>
+  </pc:docChgLst>
+  <pc:docChgLst>
+    <pc:chgData name="Hewner, Michael P" userId="S::hewner@rose-hulman.edu::7f3f83dd-6dfb-4127-a87f-c1714bd4fac9" providerId="AD" clId="Web-{2DE40FAD-6E00-E3F4-EAF2-FB45F8EE50F4}"/>
+    <pc:docChg chg="addSld modSld">
+      <pc:chgData name="Hewner, Michael P" userId="S::hewner@rose-hulman.edu::7f3f83dd-6dfb-4127-a87f-c1714bd4fac9" providerId="AD" clId="Web-{2DE40FAD-6E00-E3F4-EAF2-FB45F8EE50F4}" dt="2018-12-12T17:15:32.814" v="162"/>
+      <pc:docMkLst>
+        <pc:docMk/>
+      </pc:docMkLst>
+      <pc:sldChg chg="mod modShow">
+        <pc:chgData name="Hewner, Michael P" userId="S::hewner@rose-hulman.edu::7f3f83dd-6dfb-4127-a87f-c1714bd4fac9" providerId="AD" clId="Web-{2DE40FAD-6E00-E3F4-EAF2-FB45F8EE50F4}" dt="2018-12-12T17:15:32.611" v="160"/>
+        <pc:sldMkLst>
+          <pc:docMk/>
+          <pc:sldMk cId="1269078311" sldId="284"/>
+        </pc:sldMkLst>
+      </pc:sldChg>
+      <pc:sldChg chg="mod modShow">
+        <pc:chgData name="Hewner, Michael P" userId="S::hewner@rose-hulman.edu::7f3f83dd-6dfb-4127-a87f-c1714bd4fac9" providerId="AD" clId="Web-{2DE40FAD-6E00-E3F4-EAF2-FB45F8EE50F4}" dt="2018-12-12T17:15:32.736" v="161"/>
+        <pc:sldMkLst>
+          <pc:docMk/>
+          <pc:sldMk cId="2011230187" sldId="285"/>
+        </pc:sldMkLst>
+      </pc:sldChg>
+      <pc:sldChg chg="mod modShow">
+        <pc:chgData name="Hewner, Michael P" userId="S::hewner@rose-hulman.edu::7f3f83dd-6dfb-4127-a87f-c1714bd4fac9" providerId="AD" clId="Web-{2DE40FAD-6E00-E3F4-EAF2-FB45F8EE50F4}" dt="2018-12-12T17:15:32.814" v="162"/>
+        <pc:sldMkLst>
+          <pc:docMk/>
+          <pc:sldMk cId="154568209" sldId="286"/>
+        </pc:sldMkLst>
+      </pc:sldChg>
+      <pc:sldChg chg="modSp new">
+        <pc:chgData name="Hewner, Michael P" userId="S::hewner@rose-hulman.edu::7f3f83dd-6dfb-4127-a87f-c1714bd4fac9" providerId="AD" clId="Web-{2DE40FAD-6E00-E3F4-EAF2-FB45F8EE50F4}" dt="2018-12-12T17:14:00.111" v="132" actId="20577"/>
+        <pc:sldMkLst>
+          <pc:docMk/>
+          <pc:sldMk cId="4087202430" sldId="287"/>
+        </pc:sldMkLst>
+        <pc:spChg chg="mod">
+          <ac:chgData name="Hewner, Michael P" userId="S::hewner@rose-hulman.edu::7f3f83dd-6dfb-4127-a87f-c1714bd4fac9" providerId="AD" clId="Web-{2DE40FAD-6E00-E3F4-EAF2-FB45F8EE50F4}" dt="2018-12-12T17:14:00.111" v="132" actId="20577"/>
+          <ac:spMkLst>
+            <pc:docMk/>
+            <pc:sldMk cId="4087202430" sldId="287"/>
+            <ac:spMk id="2" creationId="{72C6CF1D-D8FF-45A3-8FA2-2CD44E60D4AD}"/>
+          </ac:spMkLst>
+        </pc:spChg>
+        <pc:spChg chg="mod">
+          <ac:chgData name="Hewner, Michael P" userId="S::hewner@rose-hulman.edu::7f3f83dd-6dfb-4127-a87f-c1714bd4fac9" providerId="AD" clId="Web-{2DE40FAD-6E00-E3F4-EAF2-FB45F8EE50F4}" dt="2018-12-12T17:13:55.205" v="130" actId="20577"/>
+          <ac:spMkLst>
+            <pc:docMk/>
+            <pc:sldMk cId="4087202430" sldId="287"/>
+            <ac:spMk id="3" creationId="{81318EC2-C8C4-4CA8-BC92-1410695E87F3}"/>
+          </ac:spMkLst>
+        </pc:spChg>
+      </pc:sldChg>
+      <pc:sldChg chg="modSp new">
+        <pc:chgData name="Hewner, Michael P" userId="S::hewner@rose-hulman.edu::7f3f83dd-6dfb-4127-a87f-c1714bd4fac9" providerId="AD" clId="Web-{2DE40FAD-6E00-E3F4-EAF2-FB45F8EE50F4}" dt="2018-12-12T17:15:19.611" v="159" actId="14100"/>
+        <pc:sldMkLst>
+          <pc:docMk/>
+          <pc:sldMk cId="691294465" sldId="288"/>
+        </pc:sldMkLst>
+        <pc:spChg chg="mod">
+          <ac:chgData name="Hewner, Michael P" userId="S::hewner@rose-hulman.edu::7f3f83dd-6dfb-4127-a87f-c1714bd4fac9" providerId="AD" clId="Web-{2DE40FAD-6E00-E3F4-EAF2-FB45F8EE50F4}" dt="2018-12-12T17:15:17.439" v="158" actId="14100"/>
+          <ac:spMkLst>
+            <pc:docMk/>
+            <pc:sldMk cId="691294465" sldId="288"/>
+            <ac:spMk id="2" creationId="{75A9EF9B-EDCD-46B8-95CA-5BB090A99C4F}"/>
+          </ac:spMkLst>
+        </pc:spChg>
+        <pc:spChg chg="mod">
+          <ac:chgData name="Hewner, Michael P" userId="S::hewner@rose-hulman.edu::7f3f83dd-6dfb-4127-a87f-c1714bd4fac9" providerId="AD" clId="Web-{2DE40FAD-6E00-E3F4-EAF2-FB45F8EE50F4}" dt="2018-12-12T17:15:19.611" v="159" actId="14100"/>
+          <ac:spMkLst>
+            <pc:docMk/>
+            <pc:sldMk cId="691294465" sldId="288"/>
+            <ac:spMk id="3" creationId="{4764D9C3-39E2-4EA6-BBDB-70EA77BAE0EC}"/>
+          </ac:spMkLst>
+        </pc:spChg>
+      </pc:sldChg>
+    </pc:docChg>
+  </pc:docChgLst>
+  <pc:docChgLst>
+    <pc:chgData name="Song, Lixing" userId="d86a4794-d57c-4f6d-acee-3349d9d3edfc" providerId="ADAL" clId="{9E87C597-9CCC-9D40-AF98-FA57E59EE777}"/>
+    <pc:docChg chg="modSld">
+      <pc:chgData name="Song, Lixing" userId="d86a4794-d57c-4f6d-acee-3349d9d3edfc" providerId="ADAL" clId="{9E87C597-9CCC-9D40-AF98-FA57E59EE777}" dt="2018-09-26T18:24:13.941" v="21" actId="20577"/>
+      <pc:docMkLst>
+        <pc:docMk/>
+      </pc:docMkLst>
+      <pc:sldChg chg="modSp">
+        <pc:chgData name="Song, Lixing" userId="d86a4794-d57c-4f6d-acee-3349d9d3edfc" providerId="ADAL" clId="{9E87C597-9CCC-9D40-AF98-FA57E59EE777}" dt="2018-09-26T18:24:13.941" v="21" actId="20577"/>
+        <pc:sldMkLst>
+          <pc:docMk/>
+          <pc:sldMk cId="3574808687" sldId="257"/>
+        </pc:sldMkLst>
+        <pc:spChg chg="mod">
+          <ac:chgData name="Song, Lixing" userId="d86a4794-d57c-4f6d-acee-3349d9d3edfc" providerId="ADAL" clId="{9E87C597-9CCC-9D40-AF98-FA57E59EE777}" dt="2018-09-26T18:24:13.941" v="21" actId="20577"/>
+          <ac:spMkLst>
+            <pc:docMk/>
+            <pc:sldMk cId="3574808687" sldId="257"/>
+            <ac:spMk id="3" creationId="{8D7CEEFE-8275-0D41-BBA0-0AEE3FED9D3A}"/>
+          </ac:spMkLst>
+        </pc:spChg>
+      </pc:sldChg>
+    </pc:docChg>
+  </pc:docChgLst>
+  <pc:docChgLst>
+    <pc:chgData name="Song, Lixing" userId="d86a4794-d57c-4f6d-acee-3349d9d3edfc" providerId="ADAL" clId="{63E5B0BA-7CA7-664C-A874-0CD1DDB96575}"/>
+  </pc:docChgLst>
   <pc:docChgLst>
     <pc:chgData name="Song, Lixing" userId="d86a4794-d57c-4f6d-acee-3349d9d3edfc" providerId="ADAL" clId="{5E3F1545-9865-4D0C-9B6A-C53785E4F7ED}"/>
     <pc:docChg chg="custSel addSld delSld modSld">
@@ -182,47 +300,26 @@
           </ac:spMkLst>
         </pc:spChg>
       </pc:sldChg>
-      <pc:sldChg chg="add">
-        <pc:chgData name="Song, Lixing" userId="d86a4794-d57c-4f6d-acee-3349d9d3edfc" providerId="ADAL" clId="{5E3F1545-9865-4D0C-9B6A-C53785E4F7ED}" dt="2018-09-17T15:05:39.670" v="78"/>
-        <pc:sldMkLst>
-          <pc:docMk/>
-          <pc:sldMk cId="3977166484" sldId="267"/>
-        </pc:sldMkLst>
-      </pc:sldChg>
-      <pc:sldChg chg="add">
-        <pc:chgData name="Song, Lixing" userId="d86a4794-d57c-4f6d-acee-3349d9d3edfc" providerId="ADAL" clId="{5E3F1545-9865-4D0C-9B6A-C53785E4F7ED}" dt="2018-09-17T15:05:39.670" v="78"/>
-        <pc:sldMkLst>
-          <pc:docMk/>
-          <pc:sldMk cId="2626578014" sldId="268"/>
-        </pc:sldMkLst>
-      </pc:sldChg>
-      <pc:sldChg chg="add">
-        <pc:chgData name="Song, Lixing" userId="d86a4794-d57c-4f6d-acee-3349d9d3edfc" providerId="ADAL" clId="{5E3F1545-9865-4D0C-9B6A-C53785E4F7ED}" dt="2018-09-17T15:05:39.670" v="78"/>
-        <pc:sldMkLst>
-          <pc:docMk/>
-          <pc:sldMk cId="3205575614" sldId="270"/>
-        </pc:sldMkLst>
-      </pc:sldChg>
     </pc:docChg>
   </pc:docChgLst>
   <pc:docChgLst>
     <pc:chgData name="Song, Lixing" userId="d86a4794-d57c-4f6d-acee-3349d9d3edfc" providerId="ADAL" clId="{C22CFC7D-4CFF-3949-BBCC-B4ADD21FB069}"/>
   </pc:docChgLst>
   <pc:docChgLst>
-    <pc:chgData name="Song, Lixing" userId="d86a4794-d57c-4f6d-acee-3349d9d3edfc" providerId="ADAL" clId="{9E87C597-9CCC-9D40-AF98-FA57E59EE777}"/>
-    <pc:docChg chg="modSld">
-      <pc:chgData name="Song, Lixing" userId="d86a4794-d57c-4f6d-acee-3349d9d3edfc" providerId="ADAL" clId="{9E87C597-9CCC-9D40-AF98-FA57E59EE777}" dt="2018-09-26T18:24:13.941" v="21" actId="20577"/>
+    <pc:chgData name="Song, Lixing" userId="d86a4794-d57c-4f6d-acee-3349d9d3edfc" providerId="ADAL" clId="{560DAE8F-EC11-0B4B-88CC-7E2C494E737F}"/>
+    <pc:docChg chg="undo redo custSel addSld delSld modSld sldOrd modMainMaster">
+      <pc:chgData name="Song, Lixing" userId="d86a4794-d57c-4f6d-acee-3349d9d3edfc" providerId="ADAL" clId="{560DAE8F-EC11-0B4B-88CC-7E2C494E737F}" dt="2018-09-19T17:12:10.784" v="317" actId="1076"/>
       <pc:docMkLst>
         <pc:docMk/>
       </pc:docMkLst>
       <pc:sldChg chg="modSp">
-        <pc:chgData name="Song, Lixing" userId="d86a4794-d57c-4f6d-acee-3349d9d3edfc" providerId="ADAL" clId="{9E87C597-9CCC-9D40-AF98-FA57E59EE777}" dt="2018-09-26T18:24:13.941" v="21" actId="20577"/>
+        <pc:chgData name="Song, Lixing" userId="d86a4794-d57c-4f6d-acee-3349d9d3edfc" providerId="ADAL" clId="{560DAE8F-EC11-0B4B-88CC-7E2C494E737F}" dt="2018-09-17T15:25:18.105" v="7" actId="2711"/>
         <pc:sldMkLst>
           <pc:docMk/>
           <pc:sldMk cId="3574808687" sldId="257"/>
         </pc:sldMkLst>
         <pc:spChg chg="mod">
-          <ac:chgData name="Song, Lixing" userId="d86a4794-d57c-4f6d-acee-3349d9d3edfc" providerId="ADAL" clId="{9E87C597-9CCC-9D40-AF98-FA57E59EE777}" dt="2018-09-26T18:24:13.941" v="21" actId="20577"/>
+          <ac:chgData name="Song, Lixing" userId="d86a4794-d57c-4f6d-acee-3349d9d3edfc" providerId="ADAL" clId="{560DAE8F-EC11-0B4B-88CC-7E2C494E737F}" dt="2018-09-17T15:25:18.105" v="7" actId="2711"/>
           <ac:spMkLst>
             <pc:docMk/>
             <pc:sldMk cId="3574808687" sldId="257"/>
@@ -230,106 +327,116 @@
           </ac:spMkLst>
         </pc:spChg>
       </pc:sldChg>
-    </pc:docChg>
-  </pc:docChgLst>
-  <pc:docChgLst>
-    <pc:chgData name="Song, Lixing" userId="d86a4794-d57c-4f6d-acee-3349d9d3edfc" providerId="ADAL" clId="{3DB7AE05-0F07-FE4F-998C-F915C7572059}"/>
-    <pc:docChg chg="custSel addSld delSld modSld">
-      <pc:chgData name="Song, Lixing" userId="d86a4794-d57c-4f6d-acee-3349d9d3edfc" providerId="ADAL" clId="{3DB7AE05-0F07-FE4F-998C-F915C7572059}" dt="2018-09-10T14:50:00.513" v="1214" actId="1076"/>
-      <pc:docMkLst>
-        <pc:docMk/>
-      </pc:docMkLst>
-      <pc:sldChg chg="delSp">
-        <pc:chgData name="Song, Lixing" userId="d86a4794-d57c-4f6d-acee-3349d9d3edfc" providerId="ADAL" clId="{3DB7AE05-0F07-FE4F-998C-F915C7572059}" dt="2018-09-10T14:23:32.803" v="0" actId="478"/>
+      <pc:sldChg chg="modSp add">
+        <pc:chgData name="Song, Lixing" userId="d86a4794-d57c-4f6d-acee-3349d9d3edfc" providerId="ADAL" clId="{560DAE8F-EC11-0B4B-88CC-7E2C494E737F}" dt="2018-09-17T15:35:01.808" v="74" actId="207"/>
         <pc:sldMkLst>
           <pc:docMk/>
-          <pc:sldMk cId="25011158" sldId="256"/>
+          <pc:sldMk cId="676669116" sldId="272"/>
         </pc:sldMkLst>
-        <pc:picChg chg="del">
-          <ac:chgData name="Song, Lixing" userId="d86a4794-d57c-4f6d-acee-3349d9d3edfc" providerId="ADAL" clId="{3DB7AE05-0F07-FE4F-998C-F915C7572059}" dt="2018-09-10T14:23:32.803" v="0" actId="478"/>
-          <ac:picMkLst>
+        <pc:spChg chg="mod">
+          <ac:chgData name="Song, Lixing" userId="d86a4794-d57c-4f6d-acee-3349d9d3edfc" providerId="ADAL" clId="{560DAE8F-EC11-0B4B-88CC-7E2C494E737F}" dt="2018-09-17T15:34:44.808" v="69" actId="2711"/>
+          <ac:spMkLst>
             <pc:docMk/>
-            <pc:sldMk cId="25011158" sldId="256"/>
-            <ac:picMk id="4" creationId="{95A6CB21-8DC7-4747-9FFF-3CDD155273EA}"/>
-          </ac:picMkLst>
-        </pc:picChg>
+            <pc:sldMk cId="676669116" sldId="272"/>
+            <ac:spMk id="2" creationId="{167CF6E4-C560-DF4A-9CE9-C07FD038AFD4}"/>
+          </ac:spMkLst>
+        </pc:spChg>
+        <pc:spChg chg="mod">
+          <ac:chgData name="Song, Lixing" userId="d86a4794-d57c-4f6d-acee-3349d9d3edfc" providerId="ADAL" clId="{560DAE8F-EC11-0B4B-88CC-7E2C494E737F}" dt="2018-09-17T15:35:01.808" v="74" actId="207"/>
+          <ac:spMkLst>
+            <pc:docMk/>
+            <pc:sldMk cId="676669116" sldId="272"/>
+            <ac:spMk id="3" creationId="{DCE3E821-2706-3446-9139-FF972F6322FB}"/>
+          </ac:spMkLst>
+        </pc:spChg>
       </pc:sldChg>
+      <pc:sldChg chg="modSp add">
+        <pc:chgData name="Song, Lixing" userId="d86a4794-d57c-4f6d-acee-3349d9d3edfc" providerId="ADAL" clId="{560DAE8F-EC11-0B4B-88CC-7E2C494E737F}" dt="2018-09-19T15:49:20.306" v="110" actId="255"/>
+        <pc:sldMkLst>
+          <pc:docMk/>
+          <pc:sldMk cId="1472112414" sldId="273"/>
+        </pc:sldMkLst>
+        <pc:spChg chg="mod">
+          <ac:chgData name="Song, Lixing" userId="d86a4794-d57c-4f6d-acee-3349d9d3edfc" providerId="ADAL" clId="{560DAE8F-EC11-0B4B-88CC-7E2C494E737F}" dt="2018-09-19T15:48:32.231" v="95" actId="20577"/>
+          <ac:spMkLst>
+            <pc:docMk/>
+            <pc:sldMk cId="1472112414" sldId="273"/>
+            <ac:spMk id="2" creationId="{7A4CD50B-26CB-0146-BEC3-9E56D9A30AF1}"/>
+          </ac:spMkLst>
+        </pc:spChg>
+        <pc:spChg chg="mod">
+          <ac:chgData name="Song, Lixing" userId="d86a4794-d57c-4f6d-acee-3349d9d3edfc" providerId="ADAL" clId="{560DAE8F-EC11-0B4B-88CC-7E2C494E737F}" dt="2018-09-19T15:49:20.306" v="110" actId="255"/>
+          <ac:spMkLst>
+            <pc:docMk/>
+            <pc:sldMk cId="1472112414" sldId="273"/>
+            <ac:spMk id="3" creationId="{C2DC183B-CC84-7841-9B9C-2E411CD06778}"/>
+          </ac:spMkLst>
+        </pc:spChg>
+      </pc:sldChg>
+      <pc:sldMasterChg chg="modSldLayout">
+        <pc:chgData name="Song, Lixing" userId="d86a4794-d57c-4f6d-acee-3349d9d3edfc" providerId="ADAL" clId="{560DAE8F-EC11-0B4B-88CC-7E2C494E737F}" dt="2018-09-17T15:23:41.281" v="2"/>
+        <pc:sldMasterMkLst>
+          <pc:docMk/>
+          <pc:sldMasterMk cId="949477102" sldId="2147483672"/>
+        </pc:sldMasterMkLst>
+        <pc:sldLayoutChg chg="addSp">
+          <pc:chgData name="Song, Lixing" userId="d86a4794-d57c-4f6d-acee-3349d9d3edfc" providerId="ADAL" clId="{560DAE8F-EC11-0B4B-88CC-7E2C494E737F}" dt="2018-09-17T15:23:41.281" v="2"/>
+          <pc:sldLayoutMkLst>
+            <pc:docMk/>
+            <pc:sldMasterMk cId="949477102" sldId="2147483672"/>
+            <pc:sldLayoutMk cId="3698689470" sldId="2147483673"/>
+          </pc:sldLayoutMkLst>
+          <pc:spChg chg="add">
+            <ac:chgData name="Song, Lixing" userId="d86a4794-d57c-4f6d-acee-3349d9d3edfc" providerId="ADAL" clId="{560DAE8F-EC11-0B4B-88CC-7E2C494E737F}" dt="2018-09-17T15:23:41.281" v="2"/>
+            <ac:spMkLst>
+              <pc:docMk/>
+              <pc:sldMasterMk cId="949477102" sldId="2147483672"/>
+              <pc:sldLayoutMk cId="3698689470" sldId="2147483673"/>
+              <ac:spMk id="9" creationId="{47D94E8C-78C1-7D4E-B6E5-DE7547A8E49B}"/>
+            </ac:spMkLst>
+          </pc:spChg>
+          <pc:picChg chg="add">
+            <ac:chgData name="Song, Lixing" userId="d86a4794-d57c-4f6d-acee-3349d9d3edfc" providerId="ADAL" clId="{560DAE8F-EC11-0B4B-88CC-7E2C494E737F}" dt="2018-09-17T15:23:41.281" v="2"/>
+            <ac:picMkLst>
+              <pc:docMk/>
+              <pc:sldMasterMk cId="949477102" sldId="2147483672"/>
+              <pc:sldLayoutMk cId="3698689470" sldId="2147483673"/>
+              <ac:picMk id="10" creationId="{F8D99126-6C23-A143-AED3-2FECD7895C68}"/>
+            </ac:picMkLst>
+          </pc:picChg>
+        </pc:sldLayoutChg>
+        <pc:sldLayoutChg chg="addSp">
+          <pc:chgData name="Song, Lixing" userId="d86a4794-d57c-4f6d-acee-3349d9d3edfc" providerId="ADAL" clId="{560DAE8F-EC11-0B4B-88CC-7E2C494E737F}" dt="2018-09-17T15:23:41.281" v="2"/>
+          <pc:sldLayoutMkLst>
+            <pc:docMk/>
+            <pc:sldMasterMk cId="949477102" sldId="2147483672"/>
+            <pc:sldLayoutMk cId="410718566" sldId="2147483674"/>
+          </pc:sldLayoutMkLst>
+          <pc:spChg chg="add">
+            <ac:chgData name="Song, Lixing" userId="d86a4794-d57c-4f6d-acee-3349d9d3edfc" providerId="ADAL" clId="{560DAE8F-EC11-0B4B-88CC-7E2C494E737F}" dt="2018-09-17T15:23:41.281" v="2"/>
+            <ac:spMkLst>
+              <pc:docMk/>
+              <pc:sldMasterMk cId="949477102" sldId="2147483672"/>
+              <pc:sldLayoutMk cId="410718566" sldId="2147483674"/>
+              <ac:spMk id="8" creationId="{AA0FB82A-D375-B84C-8D2D-81B6F63E387B}"/>
+            </ac:spMkLst>
+          </pc:spChg>
+        </pc:sldLayoutChg>
+      </pc:sldMasterChg>
     </pc:docChg>
   </pc:docChgLst>
   <pc:docChgLst>
     <pc:chgData name="Song, Lixing" userId="d86a4794-d57c-4f6d-acee-3349d9d3edfc" providerId="ADAL" clId="{41CAD8FE-0633-0C44-91B6-9FBD914D6317}"/>
-    <pc:docChg chg="undo custSel addSld delSld modSld">
-      <pc:chgData name="Song, Lixing" userId="d86a4794-d57c-4f6d-acee-3349d9d3edfc" providerId="ADAL" clId="{41CAD8FE-0633-0C44-91B6-9FBD914D6317}" dt="2018-09-10T14:14:12.130" v="1581" actId="20577"/>
-      <pc:docMkLst>
-        <pc:docMk/>
-      </pc:docMkLst>
-    </pc:docChg>
   </pc:docChgLst>
   <pc:docChgLst>
-    <pc:chgData name="Song, Lixing" userId="d86a4794-d57c-4f6d-acee-3349d9d3edfc" providerId="ADAL" clId="{E6A4A57A-7BA1-4943-B287-0650F3813B88}"/>
-    <pc:docChg chg="custSel addSld delSld modSld modMainMaster">
-      <pc:chgData name="Song, Lixing" userId="d86a4794-d57c-4f6d-acee-3349d9d3edfc" providerId="ADAL" clId="{E6A4A57A-7BA1-4943-B287-0650F3813B88}" dt="2018-09-12T15:31:02.849" v="1510" actId="2696"/>
+    <pc:chgData name="Song, Lixing" userId="d86a4794-d57c-4f6d-acee-3349d9d3edfc" providerId="ADAL" clId="{86B649C0-B944-4E97-845B-C6ACC5AF60E5}"/>
+    <pc:docChg chg="custSel addSld delSld modSld sldOrd">
+      <pc:chgData name="Song, Lixing" userId="d86a4794-d57c-4f6d-acee-3349d9d3edfc" providerId="ADAL" clId="{86B649C0-B944-4E97-845B-C6ACC5AF60E5}" dt="2018-12-13T15:57:09.527" v="1717"/>
       <pc:docMkLst>
         <pc:docMk/>
       </pc:docMkLst>
       <pc:sldChg chg="modSp">
-        <pc:chgData name="Song, Lixing" userId="d86a4794-d57c-4f6d-acee-3349d9d3edfc" providerId="ADAL" clId="{E6A4A57A-7BA1-4943-B287-0650F3813B88}" dt="2018-09-10T15:09:32.535" v="8" actId="20577"/>
-        <pc:sldMkLst>
-          <pc:docMk/>
-          <pc:sldMk cId="25011158" sldId="256"/>
-        </pc:sldMkLst>
-        <pc:spChg chg="mod">
-          <ac:chgData name="Song, Lixing" userId="d86a4794-d57c-4f6d-acee-3349d9d3edfc" providerId="ADAL" clId="{E6A4A57A-7BA1-4943-B287-0650F3813B88}" dt="2018-09-10T15:09:32.535" v="8" actId="20577"/>
-          <ac:spMkLst>
-            <pc:docMk/>
-            <pc:sldMk cId="25011158" sldId="256"/>
-            <ac:spMk id="2" creationId="{6DDA001A-43E3-1449-893B-948F2BFF68B6}"/>
-          </ac:spMkLst>
-        </pc:spChg>
-      </pc:sldChg>
-      <pc:sldChg chg="modSp add">
-        <pc:chgData name="Song, Lixing" userId="d86a4794-d57c-4f6d-acee-3349d9d3edfc" providerId="ADAL" clId="{E6A4A57A-7BA1-4943-B287-0650F3813B88}" dt="2018-09-10T15:15:19.430" v="431" actId="20577"/>
-        <pc:sldMkLst>
-          <pc:docMk/>
-          <pc:sldMk cId="3574808687" sldId="257"/>
-        </pc:sldMkLst>
-        <pc:spChg chg="mod">
-          <ac:chgData name="Song, Lixing" userId="d86a4794-d57c-4f6d-acee-3349d9d3edfc" providerId="ADAL" clId="{E6A4A57A-7BA1-4943-B287-0650F3813B88}" dt="2018-09-10T15:10:30.190" v="28" actId="20577"/>
-          <ac:spMkLst>
-            <pc:docMk/>
-            <pc:sldMk cId="3574808687" sldId="257"/>
-            <ac:spMk id="2" creationId="{64DF9EBD-92D0-284E-9B19-FF314008B2E3}"/>
-          </ac:spMkLst>
-        </pc:spChg>
-        <pc:spChg chg="mod">
-          <ac:chgData name="Song, Lixing" userId="d86a4794-d57c-4f6d-acee-3349d9d3edfc" providerId="ADAL" clId="{E6A4A57A-7BA1-4943-B287-0650F3813B88}" dt="2018-09-10T15:15:19.430" v="431" actId="20577"/>
-          <ac:spMkLst>
-            <pc:docMk/>
-            <pc:sldMk cId="3574808687" sldId="257"/>
-            <ac:spMk id="3" creationId="{8D7CEEFE-8275-0D41-BBA0-0AEE3FED9D3A}"/>
-          </ac:spMkLst>
-        </pc:spChg>
-      </pc:sldChg>
-    </pc:docChg>
-  </pc:docChgLst>
-  <pc:docChgLst>
-    <pc:chgData name="Song, Lixing" userId="d86a4794-d57c-4f6d-acee-3349d9d3edfc" providerId="ADAL" clId="{63E5B0BA-7CA7-664C-A874-0CD1DDB96575}"/>
-  </pc:docChgLst>
-  <pc:docChgLst>
-    <pc:chgData name="Song, Lixing" userId="d86a4794-d57c-4f6d-acee-3349d9d3edfc" providerId="ADAL" clId="{57BE710F-CAAC-5C4C-B1E2-33D10347FAC9}"/>
-  </pc:docChgLst>
-  <pc:docChgLst>
-    <pc:chgData name="Song, Lixing" userId="d86a4794-d57c-4f6d-acee-3349d9d3edfc" providerId="ADAL" clId="{DE4E7ECB-2978-1244-B374-6C6C0AE9F7D6}"/>
-  </pc:docChgLst>
-  <pc:docChgLst>
-    <pc:chgData name="Song, Lixing" userId="d86a4794-d57c-4f6d-acee-3349d9d3edfc" providerId="ADAL" clId="{86B649C0-B944-4E97-845B-C6ACC5AF60E5}"/>
-    <pc:docChg chg="custSel addSld delSld modSld sldOrd">
-      <pc:chgData name="Song, Lixing" userId="d86a4794-d57c-4f6d-acee-3349d9d3edfc" providerId="ADAL" clId="{86B649C0-B944-4E97-845B-C6ACC5AF60E5}" dt="2018-12-07T17:59:31.376" v="1457" actId="2696"/>
-      <pc:docMkLst>
-        <pc:docMk/>
-      </pc:docMkLst>
-      <pc:sldChg chg="modSp">
-        <pc:chgData name="Song, Lixing" userId="d86a4794-d57c-4f6d-acee-3349d9d3edfc" providerId="ADAL" clId="{86B649C0-B944-4E97-845B-C6ACC5AF60E5}" dt="2018-12-07T03:57:58.902" v="120" actId="113"/>
+        <pc:chgData name="Song, Lixing" userId="d86a4794-d57c-4f6d-acee-3349d9d3edfc" providerId="ADAL" clId="{86B649C0-B944-4E97-845B-C6ACC5AF60E5}" dt="2018-12-13T15:22:55.058" v="1571" actId="20577"/>
         <pc:sldMkLst>
           <pc:docMk/>
           <pc:sldMk cId="3574808687" sldId="257"/>
@@ -343,7 +450,7 @@
           </ac:spMkLst>
         </pc:spChg>
         <pc:spChg chg="mod">
-          <ac:chgData name="Song, Lixing" userId="d86a4794-d57c-4f6d-acee-3349d9d3edfc" providerId="ADAL" clId="{86B649C0-B944-4E97-845B-C6ACC5AF60E5}" dt="2018-12-07T03:57:58.902" v="120" actId="113"/>
+          <ac:chgData name="Song, Lixing" userId="d86a4794-d57c-4f6d-acee-3349d9d3edfc" providerId="ADAL" clId="{86B649C0-B944-4E97-845B-C6ACC5AF60E5}" dt="2018-12-13T15:22:55.058" v="1571" actId="20577"/>
           <ac:spMkLst>
             <pc:docMk/>
             <pc:sldMk cId="3574808687" sldId="257"/>
@@ -420,70 +527,44 @@
           </ac:inkMkLst>
         </pc:inkChg>
       </pc:sldChg>
-      <pc:sldChg chg="del">
-        <pc:chgData name="Song, Lixing" userId="d86a4794-d57c-4f6d-acee-3349d9d3edfc" providerId="ADAL" clId="{86B649C0-B944-4E97-845B-C6ACC5AF60E5}" dt="2018-12-07T17:59:31.354" v="1455" actId="2696"/>
+      <pc:sldChg chg="modSp">
+        <pc:chgData name="Song, Lixing" userId="d86a4794-d57c-4f6d-acee-3349d9d3edfc" providerId="ADAL" clId="{86B649C0-B944-4E97-845B-C6ACC5AF60E5}" dt="2018-12-13T15:24:29.730" v="1585" actId="2711"/>
         <pc:sldMkLst>
           <pc:docMk/>
-          <pc:sldMk cId="3977166484" sldId="267"/>
+          <pc:sldMk cId="676669116" sldId="272"/>
         </pc:sldMkLst>
+        <pc:spChg chg="mod">
+          <ac:chgData name="Song, Lixing" userId="d86a4794-d57c-4f6d-acee-3349d9d3edfc" providerId="ADAL" clId="{86B649C0-B944-4E97-845B-C6ACC5AF60E5}" dt="2018-12-13T15:24:29.730" v="1585" actId="2711"/>
+          <ac:spMkLst>
+            <pc:docMk/>
+            <pc:sldMk cId="676669116" sldId="272"/>
+            <ac:spMk id="2" creationId="{167CF6E4-C560-DF4A-9CE9-C07FD038AFD4}"/>
+          </ac:spMkLst>
+        </pc:spChg>
       </pc:sldChg>
-      <pc:sldChg chg="del">
-        <pc:chgData name="Song, Lixing" userId="d86a4794-d57c-4f6d-acee-3349d9d3edfc" providerId="ADAL" clId="{86B649C0-B944-4E97-845B-C6ACC5AF60E5}" dt="2018-12-07T17:59:31.376" v="1456" actId="2696"/>
+      <pc:sldChg chg="modSp modTransition">
+        <pc:chgData name="Song, Lixing" userId="d86a4794-d57c-4f6d-acee-3349d9d3edfc" providerId="ADAL" clId="{86B649C0-B944-4E97-845B-C6ACC5AF60E5}" dt="2018-12-13T15:24:55.731" v="1602"/>
         <pc:sldMkLst>
           <pc:docMk/>
-          <pc:sldMk cId="2626578014" sldId="268"/>
+          <pc:sldMk cId="1472112414" sldId="273"/>
         </pc:sldMkLst>
-      </pc:sldChg>
-      <pc:sldChg chg="del">
-        <pc:chgData name="Song, Lixing" userId="d86a4794-d57c-4f6d-acee-3349d9d3edfc" providerId="ADAL" clId="{86B649C0-B944-4E97-845B-C6ACC5AF60E5}" dt="2018-12-07T17:59:31.376" v="1457" actId="2696"/>
-        <pc:sldMkLst>
-          <pc:docMk/>
-          <pc:sldMk cId="3205575614" sldId="270"/>
-        </pc:sldMkLst>
-      </pc:sldChg>
-      <pc:sldChg chg="del">
-        <pc:chgData name="Song, Lixing" userId="d86a4794-d57c-4f6d-acee-3349d9d3edfc" providerId="ADAL" clId="{86B649C0-B944-4E97-845B-C6ACC5AF60E5}" dt="2018-12-07T03:58:57.656" v="121" actId="2696"/>
-        <pc:sldMkLst>
-          <pc:docMk/>
-          <pc:sldMk cId="3533100538" sldId="271"/>
-        </pc:sldMkLst>
-      </pc:sldChg>
-      <pc:sldChg chg="del">
-        <pc:chgData name="Song, Lixing" userId="d86a4794-d57c-4f6d-acee-3349d9d3edfc" providerId="ADAL" clId="{86B649C0-B944-4E97-845B-C6ACC5AF60E5}" dt="2018-12-07T17:59:31.323" v="1451" actId="2696"/>
-        <pc:sldMkLst>
-          <pc:docMk/>
-          <pc:sldMk cId="2055636749" sldId="274"/>
-        </pc:sldMkLst>
-      </pc:sldChg>
-      <pc:sldChg chg="del">
-        <pc:chgData name="Song, Lixing" userId="d86a4794-d57c-4f6d-acee-3349d9d3edfc" providerId="ADAL" clId="{86B649C0-B944-4E97-845B-C6ACC5AF60E5}" dt="2018-12-07T17:59:31.323" v="1452" actId="2696"/>
-        <pc:sldMkLst>
-          <pc:docMk/>
-          <pc:sldMk cId="3982885103" sldId="275"/>
-        </pc:sldMkLst>
-      </pc:sldChg>
-      <pc:sldChg chg="del">
-        <pc:chgData name="Song, Lixing" userId="d86a4794-d57c-4f6d-acee-3349d9d3edfc" providerId="ADAL" clId="{86B649C0-B944-4E97-845B-C6ACC5AF60E5}" dt="2018-12-07T17:59:31.338" v="1453" actId="2696"/>
-        <pc:sldMkLst>
-          <pc:docMk/>
-          <pc:sldMk cId="1617366631" sldId="276"/>
-        </pc:sldMkLst>
-      </pc:sldChg>
-      <pc:sldChg chg="del">
-        <pc:chgData name="Song, Lixing" userId="d86a4794-d57c-4f6d-acee-3349d9d3edfc" providerId="ADAL" clId="{86B649C0-B944-4E97-845B-C6ACC5AF60E5}" dt="2018-12-07T17:59:31.354" v="1454" actId="2696"/>
-        <pc:sldMkLst>
-          <pc:docMk/>
-          <pc:sldMk cId="2188187341" sldId="277"/>
-        </pc:sldMkLst>
+        <pc:spChg chg="mod">
+          <ac:chgData name="Song, Lixing" userId="d86a4794-d57c-4f6d-acee-3349d9d3edfc" providerId="ADAL" clId="{86B649C0-B944-4E97-845B-C6ACC5AF60E5}" dt="2018-12-13T15:24:36.398" v="1601" actId="20577"/>
+          <ac:spMkLst>
+            <pc:docMk/>
+            <pc:sldMk cId="1472112414" sldId="273"/>
+            <ac:spMk id="2" creationId="{7A4CD50B-26CB-0146-BEC3-9E56D9A30AF1}"/>
+          </ac:spMkLst>
+        </pc:spChg>
       </pc:sldChg>
       <pc:sldChg chg="addSp delSp modSp add">
-        <pc:chgData name="Song, Lixing" userId="d86a4794-d57c-4f6d-acee-3349d9d3edfc" providerId="ADAL" clId="{86B649C0-B944-4E97-845B-C6ACC5AF60E5}" dt="2018-12-07T15:44:03.234" v="359" actId="14100"/>
+        <pc:chgData name="Song, Lixing" userId="d86a4794-d57c-4f6d-acee-3349d9d3edfc" providerId="ADAL" clId="{86B649C0-B944-4E97-845B-C6ACC5AF60E5}" dt="2018-12-13T15:41:07.551" v="1663" actId="20577"/>
         <pc:sldMkLst>
           <pc:docMk/>
           <pc:sldMk cId="175689977" sldId="278"/>
         </pc:sldMkLst>
         <pc:spChg chg="mod">
-          <ac:chgData name="Song, Lixing" userId="d86a4794-d57c-4f6d-acee-3349d9d3edfc" providerId="ADAL" clId="{86B649C0-B944-4E97-845B-C6ACC5AF60E5}" dt="2018-12-07T15:37:32.021" v="256" actId="20577"/>
+          <ac:chgData name="Song, Lixing" userId="d86a4794-d57c-4f6d-acee-3349d9d3edfc" providerId="ADAL" clId="{86B649C0-B944-4E97-845B-C6ACC5AF60E5}" dt="2018-12-13T15:41:07.551" v="1663" actId="20577"/>
           <ac:spMkLst>
             <pc:docMk/>
             <pc:sldMk cId="175689977" sldId="278"/>
@@ -516,13 +597,13 @@
         </pc:picChg>
       </pc:sldChg>
       <pc:sldChg chg="addSp delSp modSp add modAnim">
-        <pc:chgData name="Song, Lixing" userId="d86a4794-d57c-4f6d-acee-3349d9d3edfc" providerId="ADAL" clId="{86B649C0-B944-4E97-845B-C6ACC5AF60E5}" dt="2018-12-07T15:52:35.263" v="373"/>
+        <pc:chgData name="Song, Lixing" userId="d86a4794-d57c-4f6d-acee-3349d9d3edfc" providerId="ADAL" clId="{86B649C0-B944-4E97-845B-C6ACC5AF60E5}" dt="2018-12-13T15:41:21.870" v="1665" actId="20577"/>
         <pc:sldMkLst>
           <pc:docMk/>
           <pc:sldMk cId="1729550042" sldId="279"/>
         </pc:sldMkLst>
         <pc:spChg chg="mod">
-          <ac:chgData name="Song, Lixing" userId="d86a4794-d57c-4f6d-acee-3349d9d3edfc" providerId="ADAL" clId="{86B649C0-B944-4E97-845B-C6ACC5AF60E5}" dt="2018-12-07T15:38:54.424" v="351" actId="20577"/>
+          <ac:chgData name="Song, Lixing" userId="d86a4794-d57c-4f6d-acee-3349d9d3edfc" providerId="ADAL" clId="{86B649C0-B944-4E97-845B-C6ACC5AF60E5}" dt="2018-12-13T15:41:21.870" v="1665" actId="20577"/>
           <ac:spMkLst>
             <pc:docMk/>
             <pc:sldMk cId="1729550042" sldId="279"/>
@@ -955,106 +1036,14 @@
           </ac:spMkLst>
         </pc:spChg>
       </pc:sldChg>
-    </pc:docChg>
-  </pc:docChgLst>
-  <pc:docChgLst>
-    <pc:chgData name="Song, Lixing" userId="d86a4794-d57c-4f6d-acee-3349d9d3edfc" providerId="ADAL" clId="{6256184C-17FA-4944-87C5-3041B62521D9}"/>
-    <pc:docChg chg="custSel addSld delSld modSld modMainMaster">
-      <pc:chgData name="Song, Lixing" userId="d86a4794-d57c-4f6d-acee-3349d9d3edfc" providerId="ADAL" clId="{6256184C-17FA-4944-87C5-3041B62521D9}" dt="2018-09-13T15:37:36.925" v="234" actId="12"/>
-      <pc:docMkLst>
-        <pc:docMk/>
-      </pc:docMkLst>
       <pc:sldChg chg="modSp">
-        <pc:chgData name="Song, Lixing" userId="d86a4794-d57c-4f6d-acee-3349d9d3edfc" providerId="ADAL" clId="{6256184C-17FA-4944-87C5-3041B62521D9}" dt="2018-09-13T15:23:42.155" v="8" actId="20577"/>
-        <pc:sldMkLst>
-          <pc:docMk/>
-          <pc:sldMk cId="25011158" sldId="256"/>
-        </pc:sldMkLst>
-        <pc:spChg chg="mod">
-          <ac:chgData name="Song, Lixing" userId="d86a4794-d57c-4f6d-acee-3349d9d3edfc" providerId="ADAL" clId="{6256184C-17FA-4944-87C5-3041B62521D9}" dt="2018-09-13T15:23:42.155" v="8" actId="20577"/>
-          <ac:spMkLst>
-            <pc:docMk/>
-            <pc:sldMk cId="25011158" sldId="256"/>
-            <ac:spMk id="2" creationId="{6DDA001A-43E3-1449-893B-948F2BFF68B6}"/>
-          </ac:spMkLst>
-        </pc:spChg>
-      </pc:sldChg>
-      <pc:sldChg chg="modSp">
-        <pc:chgData name="Song, Lixing" userId="d86a4794-d57c-4f6d-acee-3349d9d3edfc" providerId="ADAL" clId="{6256184C-17FA-4944-87C5-3041B62521D9}" dt="2018-09-13T15:31:20.249" v="209" actId="20577"/>
-        <pc:sldMkLst>
-          <pc:docMk/>
-          <pc:sldMk cId="3574808687" sldId="257"/>
-        </pc:sldMkLst>
-        <pc:spChg chg="mod">
-          <ac:chgData name="Song, Lixing" userId="d86a4794-d57c-4f6d-acee-3349d9d3edfc" providerId="ADAL" clId="{6256184C-17FA-4944-87C5-3041B62521D9}" dt="2018-09-13T15:31:20.249" v="209" actId="20577"/>
-          <ac:spMkLst>
-            <pc:docMk/>
-            <pc:sldMk cId="3574808687" sldId="257"/>
-            <ac:spMk id="3" creationId="{8D7CEEFE-8275-0D41-BBA0-0AEE3FED9D3A}"/>
-          </ac:spMkLst>
-        </pc:spChg>
-      </pc:sldChg>
-    </pc:docChg>
-  </pc:docChgLst>
-  <pc:docChgLst>
-    <pc:chgData name="Hewner, Michael P" userId="S::hewner@rose-hulman.edu::7f3f83dd-6dfb-4127-a87f-c1714bd4fac9" providerId="AD" clId="Web-{2DE40FAD-6E00-E3F4-EAF2-FB45F8EE50F4}"/>
-    <pc:docChg chg="addSld modSld">
-      <pc:chgData name="Hewner, Michael P" userId="S::hewner@rose-hulman.edu::7f3f83dd-6dfb-4127-a87f-c1714bd4fac9" providerId="AD" clId="Web-{2DE40FAD-6E00-E3F4-EAF2-FB45F8EE50F4}" dt="2018-12-12T17:15:32.814" v="162"/>
-      <pc:docMkLst>
-        <pc:docMk/>
-      </pc:docMkLst>
-      <pc:sldChg chg="mod modShow">
-        <pc:chgData name="Hewner, Michael P" userId="S::hewner@rose-hulman.edu::7f3f83dd-6dfb-4127-a87f-c1714bd4fac9" providerId="AD" clId="Web-{2DE40FAD-6E00-E3F4-EAF2-FB45F8EE50F4}" dt="2018-12-12T17:15:32.611" v="160"/>
-        <pc:sldMkLst>
-          <pc:docMk/>
-          <pc:sldMk cId="1269078311" sldId="284"/>
-        </pc:sldMkLst>
-      </pc:sldChg>
-      <pc:sldChg chg="mod modShow">
-        <pc:chgData name="Hewner, Michael P" userId="S::hewner@rose-hulman.edu::7f3f83dd-6dfb-4127-a87f-c1714bd4fac9" providerId="AD" clId="Web-{2DE40FAD-6E00-E3F4-EAF2-FB45F8EE50F4}" dt="2018-12-12T17:15:32.736" v="161"/>
-        <pc:sldMkLst>
-          <pc:docMk/>
-          <pc:sldMk cId="2011230187" sldId="285"/>
-        </pc:sldMkLst>
-      </pc:sldChg>
-      <pc:sldChg chg="mod modShow">
-        <pc:chgData name="Hewner, Michael P" userId="S::hewner@rose-hulman.edu::7f3f83dd-6dfb-4127-a87f-c1714bd4fac9" providerId="AD" clId="Web-{2DE40FAD-6E00-E3F4-EAF2-FB45F8EE50F4}" dt="2018-12-12T17:15:32.814" v="162"/>
-        <pc:sldMkLst>
-          <pc:docMk/>
-          <pc:sldMk cId="154568209" sldId="286"/>
-        </pc:sldMkLst>
-      </pc:sldChg>
-      <pc:sldChg chg="modSp new">
-        <pc:chgData name="Hewner, Michael P" userId="S::hewner@rose-hulman.edu::7f3f83dd-6dfb-4127-a87f-c1714bd4fac9" providerId="AD" clId="Web-{2DE40FAD-6E00-E3F4-EAF2-FB45F8EE50F4}" dt="2018-12-12T17:14:00.111" v="132" actId="20577"/>
-        <pc:sldMkLst>
-          <pc:docMk/>
-          <pc:sldMk cId="4087202430" sldId="287"/>
-        </pc:sldMkLst>
-        <pc:spChg chg="mod">
-          <ac:chgData name="Hewner, Michael P" userId="S::hewner@rose-hulman.edu::7f3f83dd-6dfb-4127-a87f-c1714bd4fac9" providerId="AD" clId="Web-{2DE40FAD-6E00-E3F4-EAF2-FB45F8EE50F4}" dt="2018-12-12T17:14:00.111" v="132" actId="20577"/>
-          <ac:spMkLst>
-            <pc:docMk/>
-            <pc:sldMk cId="4087202430" sldId="287"/>
-            <ac:spMk id="2" creationId="{72C6CF1D-D8FF-45A3-8FA2-2CD44E60D4AD}"/>
-          </ac:spMkLst>
-        </pc:spChg>
-        <pc:spChg chg="mod">
-          <ac:chgData name="Hewner, Michael P" userId="S::hewner@rose-hulman.edu::7f3f83dd-6dfb-4127-a87f-c1714bd4fac9" providerId="AD" clId="Web-{2DE40FAD-6E00-E3F4-EAF2-FB45F8EE50F4}" dt="2018-12-12T17:13:55.205" v="130" actId="20577"/>
-          <ac:spMkLst>
-            <pc:docMk/>
-            <pc:sldMk cId="4087202430" sldId="287"/>
-            <ac:spMk id="3" creationId="{81318EC2-C8C4-4CA8-BC92-1410695E87F3}"/>
-          </ac:spMkLst>
-        </pc:spChg>
-      </pc:sldChg>
-      <pc:sldChg chg="modSp new">
-        <pc:chgData name="Hewner, Michael P" userId="S::hewner@rose-hulman.edu::7f3f83dd-6dfb-4127-a87f-c1714bd4fac9" providerId="AD" clId="Web-{2DE40FAD-6E00-E3F4-EAF2-FB45F8EE50F4}" dt="2018-12-12T17:15:19.611" v="159" actId="14100"/>
+        <pc:chgData name="Song, Lixing" userId="d86a4794-d57c-4f6d-acee-3349d9d3edfc" providerId="ADAL" clId="{86B649C0-B944-4E97-845B-C6ACC5AF60E5}" dt="2018-12-13T15:57:09.527" v="1717"/>
         <pc:sldMkLst>
           <pc:docMk/>
           <pc:sldMk cId="691294465" sldId="288"/>
         </pc:sldMkLst>
         <pc:spChg chg="mod">
-          <ac:chgData name="Hewner, Michael P" userId="S::hewner@rose-hulman.edu::7f3f83dd-6dfb-4127-a87f-c1714bd4fac9" providerId="AD" clId="Web-{2DE40FAD-6E00-E3F4-EAF2-FB45F8EE50F4}" dt="2018-12-12T17:15:17.439" v="158" actId="14100"/>
+          <ac:chgData name="Song, Lixing" userId="d86a4794-d57c-4f6d-acee-3349d9d3edfc" providerId="ADAL" clId="{86B649C0-B944-4E97-845B-C6ACC5AF60E5}" dt="2018-12-13T15:57:07.139" v="1716" actId="27636"/>
           <ac:spMkLst>
             <pc:docMk/>
             <pc:sldMk cId="691294465" sldId="288"/>
@@ -1062,7 +1051,7 @@
           </ac:spMkLst>
         </pc:spChg>
         <pc:spChg chg="mod">
-          <ac:chgData name="Hewner, Michael P" userId="S::hewner@rose-hulman.edu::7f3f83dd-6dfb-4127-a87f-c1714bd4fac9" providerId="AD" clId="Web-{2DE40FAD-6E00-E3F4-EAF2-FB45F8EE50F4}" dt="2018-12-12T17:15:19.611" v="159" actId="14100"/>
+          <ac:chgData name="Song, Lixing" userId="d86a4794-d57c-4f6d-acee-3349d9d3edfc" providerId="ADAL" clId="{86B649C0-B944-4E97-845B-C6ACC5AF60E5}" dt="2018-12-13T15:57:09.527" v="1717"/>
           <ac:spMkLst>
             <pc:docMk/>
             <pc:sldMk cId="691294465" sldId="288"/>
@@ -1070,391 +1059,6 @@
           </ac:spMkLst>
         </pc:spChg>
       </pc:sldChg>
-    </pc:docChg>
-  </pc:docChgLst>
-  <pc:docChgLst>
-    <pc:chgData name="Song, Lixing" userId="d86a4794-d57c-4f6d-acee-3349d9d3edfc" providerId="ADAL" clId="{560DAE8F-EC11-0B4B-88CC-7E2C494E737F}"/>
-    <pc:docChg chg="undo redo custSel addSld delSld modSld sldOrd modMainMaster">
-      <pc:chgData name="Song, Lixing" userId="d86a4794-d57c-4f6d-acee-3349d9d3edfc" providerId="ADAL" clId="{560DAE8F-EC11-0B4B-88CC-7E2C494E737F}" dt="2018-09-19T17:12:10.784" v="317" actId="1076"/>
-      <pc:docMkLst>
-        <pc:docMk/>
-      </pc:docMkLst>
-      <pc:sldChg chg="modSp">
-        <pc:chgData name="Song, Lixing" userId="d86a4794-d57c-4f6d-acee-3349d9d3edfc" providerId="ADAL" clId="{560DAE8F-EC11-0B4B-88CC-7E2C494E737F}" dt="2018-09-17T15:25:18.105" v="7" actId="2711"/>
-        <pc:sldMkLst>
-          <pc:docMk/>
-          <pc:sldMk cId="3574808687" sldId="257"/>
-        </pc:sldMkLst>
-        <pc:spChg chg="mod">
-          <ac:chgData name="Song, Lixing" userId="d86a4794-d57c-4f6d-acee-3349d9d3edfc" providerId="ADAL" clId="{560DAE8F-EC11-0B4B-88CC-7E2C494E737F}" dt="2018-09-17T15:25:18.105" v="7" actId="2711"/>
-          <ac:spMkLst>
-            <pc:docMk/>
-            <pc:sldMk cId="3574808687" sldId="257"/>
-            <ac:spMk id="3" creationId="{8D7CEEFE-8275-0D41-BBA0-0AEE3FED9D3A}"/>
-          </ac:spMkLst>
-        </pc:spChg>
-      </pc:sldChg>
-      <pc:sldChg chg="addSp delSp modSp">
-        <pc:chgData name="Song, Lixing" userId="d86a4794-d57c-4f6d-acee-3349d9d3edfc" providerId="ADAL" clId="{560DAE8F-EC11-0B4B-88CC-7E2C494E737F}" dt="2018-09-19T17:06:57.751" v="266" actId="14100"/>
-        <pc:sldMkLst>
-          <pc:docMk/>
-          <pc:sldMk cId="3977166484" sldId="267"/>
-        </pc:sldMkLst>
-        <pc:spChg chg="add del mod">
-          <ac:chgData name="Song, Lixing" userId="d86a4794-d57c-4f6d-acee-3349d9d3edfc" providerId="ADAL" clId="{560DAE8F-EC11-0B4B-88CC-7E2C494E737F}" dt="2018-09-17T15:24:21.762" v="4"/>
-          <ac:spMkLst>
-            <pc:docMk/>
-            <pc:sldMk cId="3977166484" sldId="267"/>
-            <ac:spMk id="2" creationId="{10B46D7E-8253-F149-B83E-3C9A372B6108}"/>
-          </ac:spMkLst>
-        </pc:spChg>
-        <pc:spChg chg="add del mod">
-          <ac:chgData name="Song, Lixing" userId="d86a4794-d57c-4f6d-acee-3349d9d3edfc" providerId="ADAL" clId="{560DAE8F-EC11-0B4B-88CC-7E2C494E737F}" dt="2018-09-17T15:24:21.762" v="4"/>
-          <ac:spMkLst>
-            <pc:docMk/>
-            <pc:sldMk cId="3977166484" sldId="267"/>
-            <ac:spMk id="3" creationId="{3623EC52-6C2C-6246-8271-0FDA77F3BEE0}"/>
-          </ac:spMkLst>
-        </pc:spChg>
-        <pc:spChg chg="add del mod">
-          <ac:chgData name="Song, Lixing" userId="d86a4794-d57c-4f6d-acee-3349d9d3edfc" providerId="ADAL" clId="{560DAE8F-EC11-0B4B-88CC-7E2C494E737F}" dt="2018-09-19T17:05:58.304" v="251" actId="478"/>
-          <ac:spMkLst>
-            <pc:docMk/>
-            <pc:sldMk cId="3977166484" sldId="267"/>
-            <ac:spMk id="4" creationId="{719E0E97-AF5A-D140-A791-9EF41B08CDE4}"/>
-          </ac:spMkLst>
-        </pc:spChg>
-        <pc:spChg chg="add del mod">
-          <ac:chgData name="Song, Lixing" userId="d86a4794-d57c-4f6d-acee-3349d9d3edfc" providerId="ADAL" clId="{560DAE8F-EC11-0B4B-88CC-7E2C494E737F}" dt="2018-09-19T17:05:59.654" v="252" actId="478"/>
-          <ac:spMkLst>
-            <pc:docMk/>
-            <pc:sldMk cId="3977166484" sldId="267"/>
-            <ac:spMk id="5" creationId="{36A85F75-B34D-0B46-96FD-E215BF7AC9B5}"/>
-          </ac:spMkLst>
-        </pc:spChg>
-        <pc:spChg chg="mod">
-          <ac:chgData name="Song, Lixing" userId="d86a4794-d57c-4f6d-acee-3349d9d3edfc" providerId="ADAL" clId="{560DAE8F-EC11-0B4B-88CC-7E2C494E737F}" dt="2018-09-19T17:06:24.732" v="258" actId="207"/>
-          <ac:spMkLst>
-            <pc:docMk/>
-            <pc:sldMk cId="3977166484" sldId="267"/>
-            <ac:spMk id="108" creationId="{00000000-0000-0000-0000-000000000000}"/>
-          </ac:spMkLst>
-        </pc:spChg>
-        <pc:spChg chg="mod">
-          <ac:chgData name="Song, Lixing" userId="d86a4794-d57c-4f6d-acee-3349d9d3edfc" providerId="ADAL" clId="{560DAE8F-EC11-0B4B-88CC-7E2C494E737F}" dt="2018-09-19T17:06:57.751" v="266" actId="14100"/>
-          <ac:spMkLst>
-            <pc:docMk/>
-            <pc:sldMk cId="3977166484" sldId="267"/>
-            <ac:spMk id="109" creationId="{00000000-0000-0000-0000-000000000000}"/>
-          </ac:spMkLst>
-        </pc:spChg>
-      </pc:sldChg>
-      <pc:sldChg chg="addSp delSp modSp ord">
-        <pc:chgData name="Song, Lixing" userId="d86a4794-d57c-4f6d-acee-3349d9d3edfc" providerId="ADAL" clId="{560DAE8F-EC11-0B4B-88CC-7E2C494E737F}" dt="2018-09-19T17:09:13.822" v="282" actId="113"/>
-        <pc:sldMkLst>
-          <pc:docMk/>
-          <pc:sldMk cId="2626578014" sldId="268"/>
-        </pc:sldMkLst>
-        <pc:spChg chg="add del mod">
-          <ac:chgData name="Song, Lixing" userId="d86a4794-d57c-4f6d-acee-3349d9d3edfc" providerId="ADAL" clId="{560DAE8F-EC11-0B4B-88CC-7E2C494E737F}" dt="2018-09-17T15:24:21.762" v="4"/>
-          <ac:spMkLst>
-            <pc:docMk/>
-            <pc:sldMk cId="2626578014" sldId="268"/>
-            <ac:spMk id="2" creationId="{605DF8FB-BC59-2941-98B1-392F625622E1}"/>
-          </ac:spMkLst>
-        </pc:spChg>
-        <pc:spChg chg="add del mod">
-          <ac:chgData name="Song, Lixing" userId="d86a4794-d57c-4f6d-acee-3349d9d3edfc" providerId="ADAL" clId="{560DAE8F-EC11-0B4B-88CC-7E2C494E737F}" dt="2018-09-17T15:24:21.762" v="4"/>
-          <ac:spMkLst>
-            <pc:docMk/>
-            <pc:sldMk cId="2626578014" sldId="268"/>
-            <ac:spMk id="3" creationId="{100374B2-A38A-FF40-BAF9-DBC0BBAF5DA8}"/>
-          </ac:spMkLst>
-        </pc:spChg>
-        <pc:spChg chg="add del mod">
-          <ac:chgData name="Song, Lixing" userId="d86a4794-d57c-4f6d-acee-3349d9d3edfc" providerId="ADAL" clId="{560DAE8F-EC11-0B4B-88CC-7E2C494E737F}" dt="2018-09-19T17:08:27.624" v="270" actId="478"/>
-          <ac:spMkLst>
-            <pc:docMk/>
-            <pc:sldMk cId="2626578014" sldId="268"/>
-            <ac:spMk id="4" creationId="{7FBAD9CE-437A-6C48-84FA-FCA6BE8B3A27}"/>
-          </ac:spMkLst>
-        </pc:spChg>
-        <pc:spChg chg="add del mod">
-          <ac:chgData name="Song, Lixing" userId="d86a4794-d57c-4f6d-acee-3349d9d3edfc" providerId="ADAL" clId="{560DAE8F-EC11-0B4B-88CC-7E2C494E737F}" dt="2018-09-19T17:08:41.964" v="275" actId="478"/>
-          <ac:spMkLst>
-            <pc:docMk/>
-            <pc:sldMk cId="2626578014" sldId="268"/>
-            <ac:spMk id="5" creationId="{7F3C27B5-8738-5F41-85D7-DF28F73F7DED}"/>
-          </ac:spMkLst>
-        </pc:spChg>
-        <pc:spChg chg="mod">
-          <ac:chgData name="Song, Lixing" userId="d86a4794-d57c-4f6d-acee-3349d9d3edfc" providerId="ADAL" clId="{560DAE8F-EC11-0B4B-88CC-7E2C494E737F}" dt="2018-09-19T17:08:38.687" v="274" actId="207"/>
-          <ac:spMkLst>
-            <pc:docMk/>
-            <pc:sldMk cId="2626578014" sldId="268"/>
-            <ac:spMk id="110" creationId="{00000000-0000-0000-0000-000000000000}"/>
-          </ac:spMkLst>
-        </pc:spChg>
-        <pc:spChg chg="mod">
-          <ac:chgData name="Song, Lixing" userId="d86a4794-d57c-4f6d-acee-3349d9d3edfc" providerId="ADAL" clId="{560DAE8F-EC11-0B4B-88CC-7E2C494E737F}" dt="2018-09-19T17:09:13.822" v="282" actId="113"/>
-          <ac:spMkLst>
-            <pc:docMk/>
-            <pc:sldMk cId="2626578014" sldId="268"/>
-            <ac:spMk id="111" creationId="{00000000-0000-0000-0000-000000000000}"/>
-          </ac:spMkLst>
-        </pc:spChg>
-      </pc:sldChg>
-      <pc:sldChg chg="addSp delSp modSp">
-        <pc:chgData name="Song, Lixing" userId="d86a4794-d57c-4f6d-acee-3349d9d3edfc" providerId="ADAL" clId="{560DAE8F-EC11-0B4B-88CC-7E2C494E737F}" dt="2018-09-19T17:12:10.784" v="317" actId="1076"/>
-        <pc:sldMkLst>
-          <pc:docMk/>
-          <pc:sldMk cId="3205575614" sldId="270"/>
-        </pc:sldMkLst>
-        <pc:spChg chg="add del mod">
-          <ac:chgData name="Song, Lixing" userId="d86a4794-d57c-4f6d-acee-3349d9d3edfc" providerId="ADAL" clId="{560DAE8F-EC11-0B4B-88CC-7E2C494E737F}" dt="2018-09-17T15:24:21.762" v="4"/>
-          <ac:spMkLst>
-            <pc:docMk/>
-            <pc:sldMk cId="3205575614" sldId="270"/>
-            <ac:spMk id="2" creationId="{7B377860-7C28-EE48-9A19-4C42ED807A3B}"/>
-          </ac:spMkLst>
-        </pc:spChg>
-        <pc:spChg chg="add del mod">
-          <ac:chgData name="Song, Lixing" userId="d86a4794-d57c-4f6d-acee-3349d9d3edfc" providerId="ADAL" clId="{560DAE8F-EC11-0B4B-88CC-7E2C494E737F}" dt="2018-09-17T15:24:21.762" v="4"/>
-          <ac:spMkLst>
-            <pc:docMk/>
-            <pc:sldMk cId="3205575614" sldId="270"/>
-            <ac:spMk id="3" creationId="{7B5799DD-EF11-2C4E-8CF8-4A4444D1B575}"/>
-          </ac:spMkLst>
-        </pc:spChg>
-        <pc:spChg chg="add del mod">
-          <ac:chgData name="Song, Lixing" userId="d86a4794-d57c-4f6d-acee-3349d9d3edfc" providerId="ADAL" clId="{560DAE8F-EC11-0B4B-88CC-7E2C494E737F}" dt="2018-09-19T17:10:25.252" v="290" actId="478"/>
-          <ac:spMkLst>
-            <pc:docMk/>
-            <pc:sldMk cId="3205575614" sldId="270"/>
-            <ac:spMk id="4" creationId="{3EF0348E-439D-5441-A231-18E6B2060DBB}"/>
-          </ac:spMkLst>
-        </pc:spChg>
-        <pc:spChg chg="add del mod">
-          <ac:chgData name="Song, Lixing" userId="d86a4794-d57c-4f6d-acee-3349d9d3edfc" providerId="ADAL" clId="{560DAE8F-EC11-0B4B-88CC-7E2C494E737F}" dt="2018-09-19T17:10:44.058" v="295" actId="478"/>
-          <ac:spMkLst>
-            <pc:docMk/>
-            <pc:sldMk cId="3205575614" sldId="270"/>
-            <ac:spMk id="5" creationId="{E75364AE-9291-6C45-A4B1-9FD4D902450E}"/>
-          </ac:spMkLst>
-        </pc:spChg>
-        <pc:spChg chg="add del mod">
-          <ac:chgData name="Song, Lixing" userId="d86a4794-d57c-4f6d-acee-3349d9d3edfc" providerId="ADAL" clId="{560DAE8F-EC11-0B4B-88CC-7E2C494E737F}" dt="2018-09-19T17:12:10.784" v="317" actId="1076"/>
-          <ac:spMkLst>
-            <pc:docMk/>
-            <pc:sldMk cId="3205575614" sldId="270"/>
-            <ac:spMk id="110" creationId="{00000000-0000-0000-0000-000000000000}"/>
-          </ac:spMkLst>
-        </pc:spChg>
-        <pc:spChg chg="mod">
-          <ac:chgData name="Song, Lixing" userId="d86a4794-d57c-4f6d-acee-3349d9d3edfc" providerId="ADAL" clId="{560DAE8F-EC11-0B4B-88CC-7E2C494E737F}" dt="2018-09-19T17:11:50.173" v="313" actId="20577"/>
-          <ac:spMkLst>
-            <pc:docMk/>
-            <pc:sldMk cId="3205575614" sldId="270"/>
-            <ac:spMk id="111" creationId="{00000000-0000-0000-0000-000000000000}"/>
-          </ac:spMkLst>
-        </pc:spChg>
-        <pc:picChg chg="add mod">
-          <ac:chgData name="Song, Lixing" userId="d86a4794-d57c-4f6d-acee-3349d9d3edfc" providerId="ADAL" clId="{560DAE8F-EC11-0B4B-88CC-7E2C494E737F}" dt="2018-09-19T17:11:31.105" v="307" actId="1076"/>
-          <ac:picMkLst>
-            <pc:docMk/>
-            <pc:sldMk cId="3205575614" sldId="270"/>
-            <ac:picMk id="8" creationId="{97ABA0E2-2F62-FE45-8A8F-A4E58DD629E2}"/>
-          </ac:picMkLst>
-        </pc:picChg>
-      </pc:sldChg>
-      <pc:sldChg chg="modSp add">
-        <pc:chgData name="Song, Lixing" userId="d86a4794-d57c-4f6d-acee-3349d9d3edfc" providerId="ADAL" clId="{560DAE8F-EC11-0B4B-88CC-7E2C494E737F}" dt="2018-09-17T15:35:01.808" v="74" actId="207"/>
-        <pc:sldMkLst>
-          <pc:docMk/>
-          <pc:sldMk cId="676669116" sldId="272"/>
-        </pc:sldMkLst>
-        <pc:spChg chg="mod">
-          <ac:chgData name="Song, Lixing" userId="d86a4794-d57c-4f6d-acee-3349d9d3edfc" providerId="ADAL" clId="{560DAE8F-EC11-0B4B-88CC-7E2C494E737F}" dt="2018-09-17T15:34:44.808" v="69" actId="2711"/>
-          <ac:spMkLst>
-            <pc:docMk/>
-            <pc:sldMk cId="676669116" sldId="272"/>
-            <ac:spMk id="2" creationId="{167CF6E4-C560-DF4A-9CE9-C07FD038AFD4}"/>
-          </ac:spMkLst>
-        </pc:spChg>
-        <pc:spChg chg="mod">
-          <ac:chgData name="Song, Lixing" userId="d86a4794-d57c-4f6d-acee-3349d9d3edfc" providerId="ADAL" clId="{560DAE8F-EC11-0B4B-88CC-7E2C494E737F}" dt="2018-09-17T15:35:01.808" v="74" actId="207"/>
-          <ac:spMkLst>
-            <pc:docMk/>
-            <pc:sldMk cId="676669116" sldId="272"/>
-            <ac:spMk id="3" creationId="{DCE3E821-2706-3446-9139-FF972F6322FB}"/>
-          </ac:spMkLst>
-        </pc:spChg>
-      </pc:sldChg>
-      <pc:sldChg chg="modSp add">
-        <pc:chgData name="Song, Lixing" userId="d86a4794-d57c-4f6d-acee-3349d9d3edfc" providerId="ADAL" clId="{560DAE8F-EC11-0B4B-88CC-7E2C494E737F}" dt="2018-09-19T15:49:20.306" v="110" actId="255"/>
-        <pc:sldMkLst>
-          <pc:docMk/>
-          <pc:sldMk cId="1472112414" sldId="273"/>
-        </pc:sldMkLst>
-        <pc:spChg chg="mod">
-          <ac:chgData name="Song, Lixing" userId="d86a4794-d57c-4f6d-acee-3349d9d3edfc" providerId="ADAL" clId="{560DAE8F-EC11-0B4B-88CC-7E2C494E737F}" dt="2018-09-19T15:48:32.231" v="95" actId="20577"/>
-          <ac:spMkLst>
-            <pc:docMk/>
-            <pc:sldMk cId="1472112414" sldId="273"/>
-            <ac:spMk id="2" creationId="{7A4CD50B-26CB-0146-BEC3-9E56D9A30AF1}"/>
-          </ac:spMkLst>
-        </pc:spChg>
-        <pc:spChg chg="mod">
-          <ac:chgData name="Song, Lixing" userId="d86a4794-d57c-4f6d-acee-3349d9d3edfc" providerId="ADAL" clId="{560DAE8F-EC11-0B4B-88CC-7E2C494E737F}" dt="2018-09-19T15:49:20.306" v="110" actId="255"/>
-          <ac:spMkLst>
-            <pc:docMk/>
-            <pc:sldMk cId="1472112414" sldId="273"/>
-            <ac:spMk id="3" creationId="{C2DC183B-CC84-7841-9B9C-2E411CD06778}"/>
-          </ac:spMkLst>
-        </pc:spChg>
-      </pc:sldChg>
-      <pc:sldChg chg="modSp add ord">
-        <pc:chgData name="Song, Lixing" userId="d86a4794-d57c-4f6d-acee-3349d9d3edfc" providerId="ADAL" clId="{560DAE8F-EC11-0B4B-88CC-7E2C494E737F}" dt="2018-09-19T17:01:26.372" v="154" actId="20577"/>
-        <pc:sldMkLst>
-          <pc:docMk/>
-          <pc:sldMk cId="2055636749" sldId="274"/>
-        </pc:sldMkLst>
-        <pc:spChg chg="mod">
-          <ac:chgData name="Song, Lixing" userId="d86a4794-d57c-4f6d-acee-3349d9d3edfc" providerId="ADAL" clId="{560DAE8F-EC11-0B4B-88CC-7E2C494E737F}" dt="2018-09-19T17:01:26.372" v="154" actId="20577"/>
-          <ac:spMkLst>
-            <pc:docMk/>
-            <pc:sldMk cId="2055636749" sldId="274"/>
-            <ac:spMk id="2" creationId="{C80527FA-D6EC-0341-825E-2FB2F5900A8B}"/>
-          </ac:spMkLst>
-        </pc:spChg>
-        <pc:spChg chg="mod">
-          <ac:chgData name="Song, Lixing" userId="d86a4794-d57c-4f6d-acee-3349d9d3edfc" providerId="ADAL" clId="{560DAE8F-EC11-0B4B-88CC-7E2C494E737F}" dt="2018-09-19T17:00:37.348" v="132" actId="2711"/>
-          <ac:spMkLst>
-            <pc:docMk/>
-            <pc:sldMk cId="2055636749" sldId="274"/>
-            <ac:spMk id="3" creationId="{9A860455-D907-8345-9D16-88B9329A1E6E}"/>
-          </ac:spMkLst>
-        </pc:spChg>
-      </pc:sldChg>
-      <pc:sldChg chg="modSp add">
-        <pc:chgData name="Song, Lixing" userId="d86a4794-d57c-4f6d-acee-3349d9d3edfc" providerId="ADAL" clId="{560DAE8F-EC11-0B4B-88CC-7E2C494E737F}" dt="2018-09-19T17:02:20.287" v="171" actId="255"/>
-        <pc:sldMkLst>
-          <pc:docMk/>
-          <pc:sldMk cId="3982885103" sldId="275"/>
-        </pc:sldMkLst>
-        <pc:spChg chg="mod">
-          <ac:chgData name="Song, Lixing" userId="d86a4794-d57c-4f6d-acee-3349d9d3edfc" providerId="ADAL" clId="{560DAE8F-EC11-0B4B-88CC-7E2C494E737F}" dt="2018-09-19T17:01:42.561" v="156" actId="313"/>
-          <ac:spMkLst>
-            <pc:docMk/>
-            <pc:sldMk cId="3982885103" sldId="275"/>
-            <ac:spMk id="2" creationId="{04DD4424-FFC6-1D48-82D7-2C30449F42DB}"/>
-          </ac:spMkLst>
-        </pc:spChg>
-        <pc:spChg chg="mod">
-          <ac:chgData name="Song, Lixing" userId="d86a4794-d57c-4f6d-acee-3349d9d3edfc" providerId="ADAL" clId="{560DAE8F-EC11-0B4B-88CC-7E2C494E737F}" dt="2018-09-19T17:02:20.287" v="171" actId="255"/>
-          <ac:spMkLst>
-            <pc:docMk/>
-            <pc:sldMk cId="3982885103" sldId="275"/>
-            <ac:spMk id="3" creationId="{54F1D507-E1D5-4043-929B-10FA45BF6F0A}"/>
-          </ac:spMkLst>
-        </pc:spChg>
-      </pc:sldChg>
-      <pc:sldChg chg="modSp add">
-        <pc:chgData name="Song, Lixing" userId="d86a4794-d57c-4f6d-acee-3349d9d3edfc" providerId="ADAL" clId="{560DAE8F-EC11-0B4B-88CC-7E2C494E737F}" dt="2018-09-19T17:04:00.034" v="214" actId="255"/>
-        <pc:sldMkLst>
-          <pc:docMk/>
-          <pc:sldMk cId="1617366631" sldId="276"/>
-        </pc:sldMkLst>
-        <pc:spChg chg="mod">
-          <ac:chgData name="Song, Lixing" userId="d86a4794-d57c-4f6d-acee-3349d9d3edfc" providerId="ADAL" clId="{560DAE8F-EC11-0B4B-88CC-7E2C494E737F}" dt="2018-09-19T17:03:06.527" v="193" actId="20577"/>
-          <ac:spMkLst>
-            <pc:docMk/>
-            <pc:sldMk cId="1617366631" sldId="276"/>
-            <ac:spMk id="2" creationId="{07081D43-BA2B-7E4B-8B52-E7283BEB8830}"/>
-          </ac:spMkLst>
-        </pc:spChg>
-        <pc:spChg chg="mod">
-          <ac:chgData name="Song, Lixing" userId="d86a4794-d57c-4f6d-acee-3349d9d3edfc" providerId="ADAL" clId="{560DAE8F-EC11-0B4B-88CC-7E2C494E737F}" dt="2018-09-19T17:04:00.034" v="214" actId="255"/>
-          <ac:spMkLst>
-            <pc:docMk/>
-            <pc:sldMk cId="1617366631" sldId="276"/>
-            <ac:spMk id="3" creationId="{A03AAAB2-9B7E-FA4A-8AB2-F6DBAF66F555}"/>
-          </ac:spMkLst>
-        </pc:spChg>
-      </pc:sldChg>
-      <pc:sldChg chg="modSp add">
-        <pc:chgData name="Song, Lixing" userId="d86a4794-d57c-4f6d-acee-3349d9d3edfc" providerId="ADAL" clId="{560DAE8F-EC11-0B4B-88CC-7E2C494E737F}" dt="2018-09-19T17:05:17.072" v="248" actId="255"/>
-        <pc:sldMkLst>
-          <pc:docMk/>
-          <pc:sldMk cId="2188187341" sldId="277"/>
-        </pc:sldMkLst>
-        <pc:spChg chg="mod">
-          <ac:chgData name="Song, Lixing" userId="d86a4794-d57c-4f6d-acee-3349d9d3edfc" providerId="ADAL" clId="{560DAE8F-EC11-0B4B-88CC-7E2C494E737F}" dt="2018-09-19T17:04:37.356" v="234" actId="20577"/>
-          <ac:spMkLst>
-            <pc:docMk/>
-            <pc:sldMk cId="2188187341" sldId="277"/>
-            <ac:spMk id="2" creationId="{2F5C6739-B2C1-FD43-B005-1750485B4827}"/>
-          </ac:spMkLst>
-        </pc:spChg>
-        <pc:spChg chg="mod">
-          <ac:chgData name="Song, Lixing" userId="d86a4794-d57c-4f6d-acee-3349d9d3edfc" providerId="ADAL" clId="{560DAE8F-EC11-0B4B-88CC-7E2C494E737F}" dt="2018-09-19T17:05:17.072" v="248" actId="255"/>
-          <ac:spMkLst>
-            <pc:docMk/>
-            <pc:sldMk cId="2188187341" sldId="277"/>
-            <ac:spMk id="3" creationId="{761EBC2A-A0C7-B843-8C9D-16A4C87A80AA}"/>
-          </ac:spMkLst>
-        </pc:spChg>
-      </pc:sldChg>
-      <pc:sldMasterChg chg="modSldLayout">
-        <pc:chgData name="Song, Lixing" userId="d86a4794-d57c-4f6d-acee-3349d9d3edfc" providerId="ADAL" clId="{560DAE8F-EC11-0B4B-88CC-7E2C494E737F}" dt="2018-09-17T15:23:41.281" v="2"/>
-        <pc:sldMasterMkLst>
-          <pc:docMk/>
-          <pc:sldMasterMk cId="949477102" sldId="2147483672"/>
-        </pc:sldMasterMkLst>
-        <pc:sldLayoutChg chg="addSp">
-          <pc:chgData name="Song, Lixing" userId="d86a4794-d57c-4f6d-acee-3349d9d3edfc" providerId="ADAL" clId="{560DAE8F-EC11-0B4B-88CC-7E2C494E737F}" dt="2018-09-17T15:23:41.281" v="2"/>
-          <pc:sldLayoutMkLst>
-            <pc:docMk/>
-            <pc:sldMasterMk cId="949477102" sldId="2147483672"/>
-            <pc:sldLayoutMk cId="3698689470" sldId="2147483673"/>
-          </pc:sldLayoutMkLst>
-          <pc:spChg chg="add">
-            <ac:chgData name="Song, Lixing" userId="d86a4794-d57c-4f6d-acee-3349d9d3edfc" providerId="ADAL" clId="{560DAE8F-EC11-0B4B-88CC-7E2C494E737F}" dt="2018-09-17T15:23:41.281" v="2"/>
-            <ac:spMkLst>
-              <pc:docMk/>
-              <pc:sldMasterMk cId="949477102" sldId="2147483672"/>
-              <pc:sldLayoutMk cId="3698689470" sldId="2147483673"/>
-              <ac:spMk id="9" creationId="{47D94E8C-78C1-7D4E-B6E5-DE7547A8E49B}"/>
-            </ac:spMkLst>
-          </pc:spChg>
-          <pc:picChg chg="add">
-            <ac:chgData name="Song, Lixing" userId="d86a4794-d57c-4f6d-acee-3349d9d3edfc" providerId="ADAL" clId="{560DAE8F-EC11-0B4B-88CC-7E2C494E737F}" dt="2018-09-17T15:23:41.281" v="2"/>
-            <ac:picMkLst>
-              <pc:docMk/>
-              <pc:sldMasterMk cId="949477102" sldId="2147483672"/>
-              <pc:sldLayoutMk cId="3698689470" sldId="2147483673"/>
-              <ac:picMk id="10" creationId="{F8D99126-6C23-A143-AED3-2FECD7895C68}"/>
-            </ac:picMkLst>
-          </pc:picChg>
-        </pc:sldLayoutChg>
-        <pc:sldLayoutChg chg="addSp">
-          <pc:chgData name="Song, Lixing" userId="d86a4794-d57c-4f6d-acee-3349d9d3edfc" providerId="ADAL" clId="{560DAE8F-EC11-0B4B-88CC-7E2C494E737F}" dt="2018-09-17T15:23:41.281" v="2"/>
-          <pc:sldLayoutMkLst>
-            <pc:docMk/>
-            <pc:sldMasterMk cId="949477102" sldId="2147483672"/>
-            <pc:sldLayoutMk cId="410718566" sldId="2147483674"/>
-          </pc:sldLayoutMkLst>
-          <pc:spChg chg="add">
-            <ac:chgData name="Song, Lixing" userId="d86a4794-d57c-4f6d-acee-3349d9d3edfc" providerId="ADAL" clId="{560DAE8F-EC11-0B4B-88CC-7E2C494E737F}" dt="2018-09-17T15:23:41.281" v="2"/>
-            <ac:spMkLst>
-              <pc:docMk/>
-              <pc:sldMasterMk cId="949477102" sldId="2147483672"/>
-              <pc:sldLayoutMk cId="410718566" sldId="2147483674"/>
-              <ac:spMk id="8" creationId="{AA0FB82A-D375-B84C-8D2D-81B6F63E387B}"/>
-            </ac:spMkLst>
-          </pc:spChg>
-        </pc:sldLayoutChg>
-      </pc:sldMasterChg>
     </pc:docChg>
   </pc:docChgLst>
 </pc:chgInfo>
@@ -1554,7 +1158,7 @@
           <a:p>
             <a:fld id="{B2F99CBE-2880-364F-A223-8E393E38EFAB}" type="datetimeFigureOut">
               <a:rPr lang="en-US" smtClean="0"/>
-              <a:t>12/12/2018</a:t>
+              <a:t>12/13/2018</a:t>
             </a:fld>
             <a:endParaRPr lang="en-US"/>
           </a:p>
@@ -1785,7 +1389,7 @@
           <a:p>
             <a:fld id="{8D9AE51D-F948-044F-B984-1DA50063DADE}" type="datetimeFigureOut">
               <a:rPr lang="en-US" smtClean="0"/>
-              <a:t>12/12/2018</a:t>
+              <a:t>12/13/2018</a:t>
             </a:fld>
             <a:endParaRPr lang="en-US"/>
           </a:p>
@@ -2679,7 +2283,7 @@
           <a:p>
             <a:fld id="{82A73E24-5133-184A-B08C-013331FC8007}" type="datetimeFigureOut">
               <a:rPr lang="en-US" smtClean="0"/>
-              <a:t>12/12/2018</a:t>
+              <a:t>12/13/2018</a:t>
             </a:fld>
             <a:endParaRPr lang="en-US"/>
           </a:p>
@@ -3041,7 +2645,7 @@
           <a:p>
             <a:fld id="{82A73E24-5133-184A-B08C-013331FC8007}" type="datetimeFigureOut">
               <a:rPr lang="en-US" smtClean="0"/>
-              <a:t>12/12/2018</a:t>
+              <a:t>12/13/2018</a:t>
             </a:fld>
             <a:endParaRPr lang="en-US"/>
           </a:p>
@@ -3249,7 +2853,7 @@
           <a:p>
             <a:fld id="{82A73E24-5133-184A-B08C-013331FC8007}" type="datetimeFigureOut">
               <a:rPr lang="en-US" smtClean="0"/>
-              <a:t>12/12/2018</a:t>
+              <a:t>12/13/2018</a:t>
             </a:fld>
             <a:endParaRPr lang="en-US"/>
           </a:p>
@@ -3845,7 +3449,7 @@
           <a:p>
             <a:fld id="{82A73E24-5133-184A-B08C-013331FC8007}" type="datetimeFigureOut">
               <a:rPr lang="en-US" smtClean="0"/>
-              <a:t>12/12/2018</a:t>
+              <a:t>12/13/2018</a:t>
             </a:fld>
             <a:endParaRPr lang="en-US"/>
           </a:p>
@@ -4199,7 +3803,7 @@
           <a:p>
             <a:fld id="{82A73E24-5133-184A-B08C-013331FC8007}" type="datetimeFigureOut">
               <a:rPr lang="en-US" smtClean="0"/>
-              <a:t>12/12/2018</a:t>
+              <a:t>12/13/2018</a:t>
             </a:fld>
             <a:endParaRPr lang="en-US"/>
           </a:p>
@@ -4464,7 +4068,7 @@
           <a:p>
             <a:fld id="{82A73E24-5133-184A-B08C-013331FC8007}" type="datetimeFigureOut">
               <a:rPr lang="en-US" smtClean="0"/>
-              <a:t>12/12/2018</a:t>
+              <a:t>12/13/2018</a:t>
             </a:fld>
             <a:endParaRPr lang="en-US"/>
           </a:p>
@@ -4876,7 +4480,7 @@
           <a:p>
             <a:fld id="{82A73E24-5133-184A-B08C-013331FC8007}" type="datetimeFigureOut">
               <a:rPr lang="en-US" smtClean="0"/>
-              <a:t>12/12/2018</a:t>
+              <a:t>12/13/2018</a:t>
             </a:fld>
             <a:endParaRPr lang="en-US"/>
           </a:p>
@@ -5017,7 +4621,7 @@
           <a:p>
             <a:fld id="{82A73E24-5133-184A-B08C-013331FC8007}" type="datetimeFigureOut">
               <a:rPr lang="en-US" smtClean="0"/>
-              <a:t>12/12/2018</a:t>
+              <a:t>12/13/2018</a:t>
             </a:fld>
             <a:endParaRPr lang="en-US"/>
           </a:p>
@@ -5130,7 +4734,7 @@
           <a:p>
             <a:fld id="{82A73E24-5133-184A-B08C-013331FC8007}" type="datetimeFigureOut">
               <a:rPr lang="en-US" smtClean="0"/>
-              <a:t>12/12/2018</a:t>
+              <a:t>12/13/2018</a:t>
             </a:fld>
             <a:endParaRPr lang="en-US"/>
           </a:p>
@@ -5441,7 +5045,7 @@
           <a:p>
             <a:fld id="{82A73E24-5133-184A-B08C-013331FC8007}" type="datetimeFigureOut">
               <a:rPr lang="en-US" smtClean="0"/>
-              <a:t>12/12/2018</a:t>
+              <a:t>12/13/2018</a:t>
             </a:fld>
             <a:endParaRPr lang="en-US"/>
           </a:p>
@@ -5732,7 +5336,7 @@
           <a:p>
             <a:fld id="{82A73E24-5133-184A-B08C-013331FC8007}" type="datetimeFigureOut">
               <a:rPr lang="en-US" smtClean="0"/>
-              <a:t>12/12/2018</a:t>
+              <a:t>12/13/2018</a:t>
             </a:fld>
             <a:endParaRPr lang="en-US"/>
           </a:p>
@@ -5973,7 +5577,7 @@
           <a:p>
             <a:fld id="{82A73E24-5133-184A-B08C-013331FC8007}" type="datetimeFigureOut">
               <a:rPr lang="en-US" smtClean="0"/>
-              <a:t>12/12/2018</a:t>
+              <a:t>12/13/2018</a:t>
             </a:fld>
             <a:endParaRPr lang="en-US"/>
           </a:p>
@@ -6456,7 +6060,7 @@
           <a:p>
             <a:fld id="{B7B09853-F130-A44D-A7BC-226D14CA7C56}" type="datetime2">
               <a:rPr lang="en-US" smtClean="0"/>
-              <a:t>Wednesday, December 12, 2018</a:t>
+              <a:t>Thursday, December 13, 2018</a:t>
             </a:fld>
             <a:endParaRPr lang="en-US" dirty="0"/>
           </a:p>
@@ -6515,7 +6119,7 @@
           <a:p>
             <a:r>
               <a:rPr lang="en-US" dirty="0"/>
-              <a:t>Thread example (cont.)</a:t>
+              <a:t>Problem illustration with example (cont.)</a:t>
             </a:r>
           </a:p>
         </p:txBody>
@@ -9449,21 +9053,20 @@
         </p:nvSpPr>
         <p:spPr>
           <a:xfrm>
-            <a:off x="838200" y="365125"/>
-            <a:ext cx="10515600" cy="1729357"/>
+            <a:off x="838200" y="365126"/>
+            <a:ext cx="10515600" cy="1081120"/>
           </a:xfrm>
         </p:spPr>
         <p:txBody>
-          <a:bodyPr/>
+          <a:bodyPr>
+            <a:normAutofit/>
+          </a:bodyPr>
           <a:lstStyle/>
           <a:p>
             <a:r>
-              <a:rPr lang="en-US" dirty="0">
-                <a:cs typeface="Calibri Light"/>
-              </a:rPr>
-              <a:t>We'll talk about actual working solutions in future classes</a:t>
-            </a:r>
-            <a:endParaRPr lang="en-US" dirty="0"/>
+              <a:rPr lang="en-US" dirty="0"/>
+              <a:t>Solution: Mutual exclusion</a:t>
+            </a:r>
           </a:p>
         </p:txBody>
       </p:sp>
@@ -9485,15 +9088,21 @@
         </p:nvSpPr>
         <p:spPr>
           <a:xfrm>
-            <a:off x="838200" y="2255471"/>
-            <a:ext cx="10515600" cy="4466004"/>
+            <a:off x="838200" y="1688841"/>
+            <a:ext cx="10515600" cy="5032634"/>
           </a:xfrm>
         </p:spPr>
         <p:txBody>
           <a:bodyPr/>
           <a:lstStyle/>
           <a:p>
-            <a:endParaRPr lang="en-US"/>
+            <a:r>
+              <a:rPr lang="en-US" dirty="0">
+                <a:cs typeface="Calibri Light"/>
+              </a:rPr>
+              <a:t>We'll talk about actual working solutions in future classes</a:t>
+            </a:r>
+            <a:endParaRPr lang="en-US" dirty="0"/>
           </a:p>
         </p:txBody>
       </p:sp>
@@ -10622,7 +10231,7 @@
               <a:rPr lang="en-US" dirty="0">
                 <a:ea typeface="Anonymous Pro for Powerline" panose="02060609030202000504" pitchFamily="49" charset="0"/>
               </a:rPr>
-              <a:t>How to use </a:t>
+              <a:t>Parallel computing with </a:t>
             </a:r>
             <a:r>
               <a:rPr lang="en-US" dirty="0" err="1">
@@ -10633,24 +10242,34 @@
             </a:r>
             <a:r>
               <a:rPr lang="en-US" dirty="0">
-                <a:ea typeface="Anonymous Pro for Powerline" panose="02060609030202000504" pitchFamily="49" charset="0"/>
-              </a:rPr>
-              <a:t>?</a:t>
-            </a:r>
-          </a:p>
-          <a:p>
-            <a:r>
-              <a:rPr lang="en-US" dirty="0"/>
-              <a:t>Introduce </a:t>
-            </a:r>
-            <a:r>
-              <a:rPr lang="en-US" b="1" dirty="0"/>
-              <a:t>mutual exclusion </a:t>
-            </a:r>
-            <a:r>
-              <a:rPr lang="en-US" dirty="0"/>
-              <a:t>in parallel computing.</a:t>
-            </a:r>
+                <a:latin typeface="Anonymous Pro for Powerline" panose="02060609030202000504" pitchFamily="49" charset="0"/>
+                <a:ea typeface="Anonymice Powerline" panose="02060609030202000504" pitchFamily="49" charset="0"/>
+              </a:rPr>
+              <a:t>.</a:t>
+            </a:r>
+          </a:p>
+          <a:p>
+            <a:pPr lvl="1"/>
+            <a:r>
+              <a:rPr lang="en-US" dirty="0">
+                <a:latin typeface="Anonymous Pro for Powerline" panose="02060609030202000504" pitchFamily="49" charset="0"/>
+                <a:ea typeface="Anonymice Powerline" panose="02060609030202000504" pitchFamily="49" charset="0"/>
+              </a:rPr>
+              <a:t>(+) Performance improvement</a:t>
+            </a:r>
+          </a:p>
+          <a:p>
+            <a:pPr lvl="1"/>
+            <a:r>
+              <a:rPr lang="en-US" dirty="0">
+                <a:latin typeface="Anonymous Pro for Powerline" panose="02060609030202000504" pitchFamily="49" charset="0"/>
+                <a:ea typeface="Anonymice Powerline" panose="02060609030202000504" pitchFamily="49" charset="0"/>
+              </a:rPr>
+              <a:t>(-) Concurrency issues – mutual exclusion</a:t>
+            </a:r>
+            <a:endParaRPr lang="en-US" dirty="0">
+              <a:ea typeface="Anonymous Pro for Powerline" panose="02060609030202000504" pitchFamily="49" charset="0"/>
+            </a:endParaRPr>
           </a:p>
           <a:p>
             <a:endParaRPr lang="en-US" dirty="0">
@@ -10711,6 +10330,17 @@
           <a:lstStyle/>
           <a:p>
             <a:r>
+              <a:rPr lang="en-US" spc="-1" dirty="0">
+                <a:uFill>
+                  <a:solidFill>
+                    <a:srgbClr val="FFFFFF"/>
+                  </a:solidFill>
+                </a:uFill>
+                <a:ea typeface="Anonymous Pro for Powerline" panose="02060609030202000504" pitchFamily="49" charset="0"/>
+              </a:rPr>
+              <a:t>Intro to </a:t>
+            </a:r>
+            <a:r>
               <a:rPr lang="en-US" spc="-1" dirty="0" err="1">
                 <a:uFill>
                   <a:solidFill>
@@ -10848,7 +10478,7 @@
 </file>
 
 <file path=ppt/slides/slide4.xml><?xml version="1.0" encoding="utf-8"?>
-<p:sld xmlns:a="http://schemas.openxmlformats.org/drawingml/2006/main" xmlns:r="http://schemas.openxmlformats.org/officeDocument/2006/relationships" xmlns:p="http://schemas.openxmlformats.org/presentationml/2006/main">
+<p:sld xmlns:a="http://schemas.openxmlformats.org/drawingml/2006/main" xmlns:r="http://schemas.openxmlformats.org/officeDocument/2006/relationships" xmlns:p="http://schemas.openxmlformats.org/presentationml/2006/main" show="0">
   <p:cSld>
     <p:spTree>
       <p:nvGrpSpPr>
@@ -10887,7 +10517,7 @@
           <a:p>
             <a:r>
               <a:rPr lang="en-US" dirty="0"/>
-              <a:t>Java threads</a:t>
+              <a:t>Similar effort: Java threads</a:t>
             </a:r>
           </a:p>
         </p:txBody>
@@ -12862,7 +12492,7 @@
           <a:p>
             <a:r>
               <a:rPr lang="en-US" dirty="0"/>
-              <a:t>Thread example</a:t>
+              <a:t>Problem illustration with example</a:t>
             </a:r>
           </a:p>
         </p:txBody>

--- a/ClassMaterials/MoreThreads/MoreThreads.pptx
+++ b/ClassMaterials/MoreThreads/MoreThreads.pptx
@@ -139,6 +139,7 @@
 <p1510:revInfo xmlns:a="http://schemas.openxmlformats.org/drawingml/2006/main" xmlns:r="http://schemas.openxmlformats.org/officeDocument/2006/relationships" xmlns:p1510="http://schemas.microsoft.com/office/powerpoint/2015/10/main">
   <p1510:revLst>
     <p1510:client id="{86B649C0-B944-4E97-845B-C6ACC5AF60E5}" v="384" dt="2018-12-13T15:57:09.527"/>
+    <p1510:client id="{923920CE-0AF2-8A55-660B-8FD234BBC592}" v="6" dt="2018-12-13T18:43:42.142"/>
   </p1510:revLst>
 </p1510:revInfo>
 </file>
@@ -150,6 +151,30 @@
   </pc:docChgLst>
   <pc:docChgLst>
     <pc:chgData name="Song, Lixing" userId="d86a4794-d57c-4f6d-acee-3349d9d3edfc" providerId="ADAL" clId="{57BE710F-CAAC-5C4C-B1E2-33D10347FAC9}"/>
+  </pc:docChgLst>
+  <pc:docChgLst>
+    <pc:chgData name="Hewner, Michael P" userId="S::hewner@rose-hulman.edu::7f3f83dd-6dfb-4127-a87f-c1714bd4fac9" providerId="AD" clId="Web-{923920CE-0AF2-8A55-660B-8FD234BBC592}"/>
+    <pc:docChg chg="modSld">
+      <pc:chgData name="Hewner, Michael P" userId="S::hewner@rose-hulman.edu::7f3f83dd-6dfb-4127-a87f-c1714bd4fac9" providerId="AD" clId="Web-{923920CE-0AF2-8A55-660B-8FD234BBC592}" dt="2018-12-13T18:43:42.142" v="5" actId="20577"/>
+      <pc:docMkLst>
+        <pc:docMk/>
+      </pc:docMkLst>
+      <pc:sldChg chg="modSp">
+        <pc:chgData name="Hewner, Michael P" userId="S::hewner@rose-hulman.edu::7f3f83dd-6dfb-4127-a87f-c1714bd4fac9" providerId="AD" clId="Web-{923920CE-0AF2-8A55-660B-8FD234BBC592}" dt="2018-12-13T18:43:42.142" v="5" actId="20577"/>
+        <pc:sldMkLst>
+          <pc:docMk/>
+          <pc:sldMk cId="0" sldId="264"/>
+        </pc:sldMkLst>
+        <pc:spChg chg="mod">
+          <ac:chgData name="Hewner, Michael P" userId="S::hewner@rose-hulman.edu::7f3f83dd-6dfb-4127-a87f-c1714bd4fac9" providerId="AD" clId="Web-{923920CE-0AF2-8A55-660B-8FD234BBC592}" dt="2018-12-13T18:43:42.142" v="5" actId="20577"/>
+          <ac:spMkLst>
+            <pc:docMk/>
+            <pc:sldMk cId="0" sldId="264"/>
+            <ac:spMk id="200" creationId="{00000000-0000-0000-0000-000000000000}"/>
+          </ac:spMkLst>
+        </pc:spChg>
+      </pc:sldChg>
+    </pc:docChg>
   </pc:docChgLst>
   <pc:docChgLst>
     <pc:chgData name="Song, Lixing" userId="d86a4794-d57c-4f6d-acee-3349d9d3edfc" providerId="ADAL" clId="{6256184C-17FA-4944-87C5-3041B62521D9}"/>
@@ -426,12 +451,51 @@
     </pc:docChg>
   </pc:docChgLst>
   <pc:docChgLst>
+    <pc:chgData name="Hewner, Michael P" userId="S::hewner@rose-hulman.edu::7f3f83dd-6dfb-4127-a87f-c1714bd4fac9" providerId="AD" clId="Web-{E9A886B4-3C67-711A-8022-900501216E1A}"/>
+    <pc:docChg chg="modSld">
+      <pc:chgData name="Hewner, Michael P" userId="S::hewner@rose-hulman.edu::7f3f83dd-6dfb-4127-a87f-c1714bd4fac9" providerId="AD" clId="Web-{E9A886B4-3C67-711A-8022-900501216E1A}" dt="2018-12-13T16:17:18.895" v="23" actId="20577"/>
+      <pc:docMkLst>
+        <pc:docMk/>
+      </pc:docMkLst>
+      <pc:sldChg chg="modSp">
+        <pc:chgData name="Hewner, Michael P" userId="S::hewner@rose-hulman.edu::7f3f83dd-6dfb-4127-a87f-c1714bd4fac9" providerId="AD" clId="Web-{E9A886B4-3C67-711A-8022-900501216E1A}" dt="2018-12-13T16:14:16.435" v="17" actId="20577"/>
+        <pc:sldMkLst>
+          <pc:docMk/>
+          <pc:sldMk cId="0" sldId="264"/>
+        </pc:sldMkLst>
+        <pc:spChg chg="mod">
+          <ac:chgData name="Hewner, Michael P" userId="S::hewner@rose-hulman.edu::7f3f83dd-6dfb-4127-a87f-c1714bd4fac9" providerId="AD" clId="Web-{E9A886B4-3C67-711A-8022-900501216E1A}" dt="2018-12-13T16:14:16.435" v="17" actId="20577"/>
+          <ac:spMkLst>
+            <pc:docMk/>
+            <pc:sldMk cId="0" sldId="264"/>
+            <ac:spMk id="200" creationId="{00000000-0000-0000-0000-000000000000}"/>
+          </ac:spMkLst>
+        </pc:spChg>
+      </pc:sldChg>
+      <pc:sldChg chg="modSp">
+        <pc:chgData name="Hewner, Michael P" userId="S::hewner@rose-hulman.edu::7f3f83dd-6dfb-4127-a87f-c1714bd4fac9" providerId="AD" clId="Web-{E9A886B4-3C67-711A-8022-900501216E1A}" dt="2018-12-13T16:17:18.895" v="23" actId="20577"/>
+        <pc:sldMkLst>
+          <pc:docMk/>
+          <pc:sldMk cId="0" sldId="265"/>
+        </pc:sldMkLst>
+        <pc:spChg chg="mod">
+          <ac:chgData name="Hewner, Michael P" userId="S::hewner@rose-hulman.edu::7f3f83dd-6dfb-4127-a87f-c1714bd4fac9" providerId="AD" clId="Web-{E9A886B4-3C67-711A-8022-900501216E1A}" dt="2018-12-13T16:17:18.895" v="23" actId="20577"/>
+          <ac:spMkLst>
+            <pc:docMk/>
+            <pc:sldMk cId="0" sldId="265"/>
+            <ac:spMk id="206" creationId="{00000000-0000-0000-0000-000000000000}"/>
+          </ac:spMkLst>
+        </pc:spChg>
+      </pc:sldChg>
+    </pc:docChg>
+  </pc:docChgLst>
+  <pc:docChgLst>
     <pc:chgData name="Song, Lixing" userId="d86a4794-d57c-4f6d-acee-3349d9d3edfc" providerId="ADAL" clId="{41CAD8FE-0633-0C44-91B6-9FBD914D6317}"/>
   </pc:docChgLst>
   <pc:docChgLst>
     <pc:chgData name="Song, Lixing" userId="d86a4794-d57c-4f6d-acee-3349d9d3edfc" providerId="ADAL" clId="{86B649C0-B944-4E97-845B-C6ACC5AF60E5}"/>
     <pc:docChg chg="custSel addSld delSld modSld sldOrd">
-      <pc:chgData name="Song, Lixing" userId="d86a4794-d57c-4f6d-acee-3349d9d3edfc" providerId="ADAL" clId="{86B649C0-B944-4E97-845B-C6ACC5AF60E5}" dt="2018-12-13T15:57:09.527" v="1717"/>
+      <pc:chgData name="Song, Lixing" userId="d86a4794-d57c-4f6d-acee-3349d9d3edfc" providerId="ADAL" clId="{86B649C0-B944-4E97-845B-C6ACC5AF60E5}" dt="2018-12-13T18:31:26.519" v="1718" actId="113"/>
       <pc:docMkLst>
         <pc:docMk/>
       </pc:docMkLst>
@@ -474,7 +538,7 @@
         </pc:spChg>
       </pc:sldChg>
       <pc:sldChg chg="addSp modSp add modAnim">
-        <pc:chgData name="Song, Lixing" userId="d86a4794-d57c-4f6d-acee-3349d9d3edfc" providerId="ADAL" clId="{86B649C0-B944-4E97-845B-C6ACC5AF60E5}" dt="2018-12-07T15:28:52.615" v="239"/>
+        <pc:chgData name="Song, Lixing" userId="d86a4794-d57c-4f6d-acee-3349d9d3edfc" providerId="ADAL" clId="{86B649C0-B944-4E97-845B-C6ACC5AF60E5}" dt="2018-12-13T18:31:26.519" v="1718" actId="113"/>
         <pc:sldMkLst>
           <pc:docMk/>
           <pc:sldMk cId="0" sldId="264"/>
@@ -496,7 +560,7 @@
           </ac:spMkLst>
         </pc:spChg>
         <pc:spChg chg="mod">
-          <ac:chgData name="Song, Lixing" userId="d86a4794-d57c-4f6d-acee-3349d9d3edfc" providerId="ADAL" clId="{86B649C0-B944-4E97-845B-C6ACC5AF60E5}" dt="2018-12-07T04:01:23.022" v="172" actId="20577"/>
+          <ac:chgData name="Song, Lixing" userId="d86a4794-d57c-4f6d-acee-3349d9d3edfc" providerId="ADAL" clId="{86B649C0-B944-4E97-845B-C6ACC5AF60E5}" dt="2018-12-13T18:31:26.519" v="1718" actId="113"/>
           <ac:spMkLst>
             <pc:docMk/>
             <pc:sldMk cId="0" sldId="264"/>
@@ -11261,7 +11325,34 @@
                 <a:cs typeface="Consolas"/>
                 <a:sym typeface="Consolas"/>
               </a:rPr>
-              <a:t> tid = (</a:t>
+              <a:t> </a:t>
+            </a:r>
+            <a:r>
+              <a:rPr lang="en" sz="1800" err="1">
+                <a:latin typeface="Consolas"/>
+                <a:ea typeface="Consolas"/>
+                <a:cs typeface="Consolas"/>
+                <a:sym typeface="Consolas"/>
+              </a:rPr>
+              <a:t>tid</a:t>
+            </a:r>
+            <a:r>
+              <a:rPr lang="en" sz="1800" dirty="0">
+                <a:latin typeface="Consolas"/>
+                <a:ea typeface="Consolas"/>
+                <a:cs typeface="Consolas"/>
+                <a:sym typeface="Consolas"/>
+              </a:rPr>
+              <a:t> = </a:t>
+            </a:r>
+            <a:r>
+              <a:rPr lang="en" sz="1800">
+                <a:latin typeface="Consolas"/>
+                <a:ea typeface="Consolas"/>
+                <a:cs typeface="Consolas"/>
+                <a:sym typeface="Consolas"/>
+              </a:rPr>
+              <a:t>*((</a:t>
             </a:r>
             <a:r>
               <a:rPr lang="en" sz="1800" b="1" dirty="0">
@@ -11276,13 +11367,51 @@
               <a:t>int</a:t>
             </a:r>
             <a:r>
-              <a:rPr lang="en" sz="1800" dirty="0">
+              <a:rPr lang="en" sz="1800" b="1">
+                <a:solidFill>
+                  <a:srgbClr val="465510"/>
+                </a:solidFill>
                 <a:latin typeface="Consolas"/>
                 <a:ea typeface="Consolas"/>
                 <a:cs typeface="Consolas"/>
                 <a:sym typeface="Consolas"/>
               </a:rPr>
-              <a:t>)arg;</a:t>
+              <a:t>*</a:t>
+            </a:r>
+            <a:r>
+              <a:rPr lang="en" sz="1800">
+                <a:latin typeface="Consolas"/>
+                <a:ea typeface="Consolas"/>
+                <a:cs typeface="Consolas"/>
+                <a:sym typeface="Consolas"/>
+              </a:rPr>
+              <a:t>) </a:t>
+            </a:r>
+            <a:r>
+              <a:rPr lang="en" sz="1800" err="1">
+                <a:latin typeface="Consolas"/>
+                <a:ea typeface="Consolas"/>
+                <a:cs typeface="Consolas"/>
+                <a:sym typeface="Consolas"/>
+              </a:rPr>
+              <a:t>arg</a:t>
+            </a:r>
+            <a:r>
+              <a:rPr lang="en" sz="1800">
+                <a:latin typeface="Consolas"/>
+                <a:ea typeface="Consolas"/>
+                <a:cs typeface="Consolas"/>
+                <a:sym typeface="Consolas"/>
+              </a:rPr>
+              <a:t>)</a:t>
+            </a:r>
+            <a:r>
+              <a:rPr lang="en" sz="1800">
+                <a:latin typeface="Consolas"/>
+                <a:ea typeface="Consolas"/>
+                <a:cs typeface="Consolas"/>
+              </a:rPr>
+              <a:t>;</a:t>
             </a:r>
             <a:endParaRPr sz="1800" dirty="0">
               <a:latin typeface="Consolas"/>
@@ -11511,6 +11640,35 @@
             </a:pPr>
             <a:r>
               <a:rPr lang="en" sz="1800" b="1" dirty="0">
+                <a:latin typeface="Consolas"/>
+                <a:ea typeface="Consolas"/>
+                <a:cs typeface="Consolas"/>
+              </a:rPr>
+              <a:t>int </a:t>
+            </a:r>
+            <a:r>
+              <a:rPr lang="en" sz="1800" b="1" dirty="0" err="1">
+                <a:latin typeface="Consolas"/>
+                <a:ea typeface="Consolas"/>
+                <a:cs typeface="Consolas"/>
+              </a:rPr>
+              <a:t>i</a:t>
+            </a:r>
+            <a:r>
+              <a:rPr lang="en" sz="1800" b="1" dirty="0">
+                <a:latin typeface="Consolas"/>
+                <a:ea typeface="Consolas"/>
+                <a:cs typeface="Consolas"/>
+              </a:rPr>
+              <a:t> = 7;</a:t>
+            </a:r>
+          </a:p>
+          <a:p>
+            <a:pPr marL="0" indent="0">
+              <a:buNone/>
+            </a:pPr>
+            <a:r>
+              <a:rPr lang="en" sz="1800" b="1" dirty="0" err="1">
                 <a:solidFill>
                   <a:srgbClr val="002B5B"/>
                 </a:solidFill>
@@ -11574,15 +11732,21 @@
             </a:r>
             <a:r>
               <a:rPr lang="en" sz="1800" b="1" dirty="0">
-                <a:solidFill>
-                  <a:srgbClr val="5F1709"/>
-                </a:solidFill>
                 <a:latin typeface="Consolas"/>
                 <a:ea typeface="Consolas"/>
                 <a:cs typeface="Consolas"/>
                 <a:sym typeface="Consolas"/>
               </a:rPr>
-              <a:t>0</a:t>
+              <a:t>&amp;</a:t>
+            </a:r>
+            <a:r>
+              <a:rPr lang="en" sz="1800" b="1" dirty="0" err="1">
+                <a:latin typeface="Consolas"/>
+                <a:ea typeface="Consolas"/>
+                <a:cs typeface="Consolas"/>
+                <a:sym typeface="Consolas"/>
+              </a:rPr>
+              <a:t>i</a:t>
             </a:r>
             <a:r>
               <a:rPr lang="en" sz="1800" dirty="0">
@@ -11946,15 +12110,6 @@
               <a:buNone/>
             </a:pPr>
             <a:r>
-              <a:rPr lang="en" dirty="0">
-                <a:latin typeface="Consolas"/>
-                <a:ea typeface="Consolas"/>
-                <a:cs typeface="Consolas"/>
-                <a:sym typeface="Consolas"/>
-              </a:rPr>
-              <a:t>	</a:t>
-            </a:r>
-            <a:r>
               <a:rPr lang="en" sz="2400" b="1" dirty="0">
                 <a:solidFill>
                   <a:srgbClr val="465510"/>
@@ -11964,7 +12119,7 @@
                 <a:cs typeface="Consolas"/>
                 <a:sym typeface="Consolas"/>
               </a:rPr>
-              <a:t>int</a:t>
+              <a:t>   int*</a:t>
             </a:r>
             <a:r>
               <a:rPr lang="en" sz="2400" dirty="0">
